--- a/slides/computerScience_day1.pptx
+++ b/slides/computerScience_day1.pptx
@@ -5,25 +5,26 @@
     <p:sldMasterId id="2147483660" r:id="rId1"/>
   </p:sldMasterIdLst>
   <p:notesMasterIdLst>
-    <p:notesMasterId r:id="rId18"/>
+    <p:notesMasterId r:id="rId19"/>
   </p:notesMasterIdLst>
   <p:sldIdLst>
     <p:sldId id="256" r:id="rId2"/>
     <p:sldId id="264" r:id="rId3"/>
     <p:sldId id="295" r:id="rId4"/>
-    <p:sldId id="257" r:id="rId5"/>
-    <p:sldId id="269" r:id="rId6"/>
-    <p:sldId id="296" r:id="rId7"/>
-    <p:sldId id="297" r:id="rId8"/>
-    <p:sldId id="298" r:id="rId9"/>
-    <p:sldId id="299" r:id="rId10"/>
-    <p:sldId id="300" r:id="rId11"/>
-    <p:sldId id="301" r:id="rId12"/>
-    <p:sldId id="302" r:id="rId13"/>
-    <p:sldId id="303" r:id="rId14"/>
-    <p:sldId id="304" r:id="rId15"/>
-    <p:sldId id="306" r:id="rId16"/>
-    <p:sldId id="307" r:id="rId17"/>
+    <p:sldId id="308" r:id="rId5"/>
+    <p:sldId id="257" r:id="rId6"/>
+    <p:sldId id="269" r:id="rId7"/>
+    <p:sldId id="296" r:id="rId8"/>
+    <p:sldId id="297" r:id="rId9"/>
+    <p:sldId id="298" r:id="rId10"/>
+    <p:sldId id="299" r:id="rId11"/>
+    <p:sldId id="300" r:id="rId12"/>
+    <p:sldId id="301" r:id="rId13"/>
+    <p:sldId id="302" r:id="rId14"/>
+    <p:sldId id="303" r:id="rId15"/>
+    <p:sldId id="304" r:id="rId16"/>
+    <p:sldId id="306" r:id="rId17"/>
+    <p:sldId id="307" r:id="rId18"/>
   </p:sldIdLst>
   <p:sldSz cx="12192000" cy="6858000"/>
   <p:notesSz cx="6858000" cy="9144000"/>
@@ -212,7 +213,7 @@
           <a:p>
             <a:fld id="{29743A7E-303A-4EAA-864C-611EED392E65}" type="datetimeFigureOut">
               <a:rPr kumimoji="1" lang="ja-JP" altLang="en-US" smtClean="0"/>
-              <a:t>2025/4/15</a:t>
+              <a:t>2025/4/16</a:t>
             </a:fld>
             <a:endParaRPr kumimoji="1" lang="ja-JP" altLang="en-US"/>
           </a:p>
@@ -576,7 +577,7 @@
           <a:p>
             <a:fld id="{64334262-27A8-490F-AA41-F61BA7DFEBA9}" type="slidenum">
               <a:rPr kumimoji="1" lang="ja-JP" altLang="en-US" smtClean="0"/>
-              <a:t>5</a:t>
+              <a:t>6</a:t>
             </a:fld>
             <a:endParaRPr kumimoji="1" lang="ja-JP" altLang="en-US" dirty="0"/>
           </a:p>
@@ -5629,7 +5630,7 @@
           <p:cNvPr id="2" name="フッター プレースホルダー 1">
             <a:extLst>
               <a:ext uri="{FF2B5EF4-FFF2-40B4-BE49-F238E27FC236}">
-                <a16:creationId xmlns:a16="http://schemas.microsoft.com/office/drawing/2014/main" id="{6BFA43F6-9587-F470-F754-403EECA64242}"/>
+                <a16:creationId xmlns:a16="http://schemas.microsoft.com/office/drawing/2014/main" id="{5708E4A2-D828-6F97-FA1E-A818BAA3EFEE}"/>
               </a:ext>
             </a:extLst>
           </p:cNvPr>
@@ -5658,7 +5659,7 @@
           <p:cNvPr id="3" name="タイトル 2">
             <a:extLst>
               <a:ext uri="{FF2B5EF4-FFF2-40B4-BE49-F238E27FC236}">
-                <a16:creationId xmlns:a16="http://schemas.microsoft.com/office/drawing/2014/main" id="{8D4B3A02-E738-B784-0D38-3F136C5067B2}"/>
+                <a16:creationId xmlns:a16="http://schemas.microsoft.com/office/drawing/2014/main" id="{19591CFB-FEB1-5E79-F83B-D38EBF1465FD}"/>
               </a:ext>
             </a:extLst>
           </p:cNvPr>
@@ -5686,94 +5687,143 @@
               <a:rPr lang="en-US" altLang="ja-JP" dirty="0"/>
               <a:t>]</a:t>
             </a:r>
+            <a:endParaRPr kumimoji="1" lang="ja-JP" altLang="en-US" dirty="0"/>
+          </a:p>
+        </p:txBody>
+      </p:sp>
+      <p:sp>
+        <p:nvSpPr>
+          <p:cNvPr id="4" name="コンテンツ プレースホルダー 3">
+            <a:extLst>
+              <a:ext uri="{FF2B5EF4-FFF2-40B4-BE49-F238E27FC236}">
+                <a16:creationId xmlns:a16="http://schemas.microsoft.com/office/drawing/2014/main" id="{F03D1BED-1DC3-6104-4290-AB13C22B6D11}"/>
+              </a:ext>
+            </a:extLst>
+          </p:cNvPr>
+          <p:cNvSpPr>
+            <a:spLocks noGrp="1"/>
+          </p:cNvSpPr>
+          <p:nvPr>
+            <p:ph idx="1"/>
+          </p:nvPr>
+        </p:nvSpPr>
+        <p:spPr/>
+        <p:txBody>
+          <a:bodyPr/>
+          <a:lstStyle/>
+          <a:p>
+            <a:r>
+              <a:rPr kumimoji="1" lang="ja-JP" altLang="en-US" dirty="0"/>
+              <a:t>フォームを作ってみる</a:t>
+            </a:r>
+          </a:p>
+          <a:p>
             <a:r>
               <a:rPr lang="ja-JP" altLang="en-US" dirty="0"/>
-              <a:t> つづき</a:t>
-            </a:r>
-            <a:endParaRPr kumimoji="1" lang="ja-JP" altLang="en-US" dirty="0"/>
-          </a:p>
-        </p:txBody>
-      </p:sp>
-      <p:sp>
-        <p:nvSpPr>
-          <p:cNvPr id="4" name="コンテンツ プレースホルダー 3">
-            <a:extLst>
-              <a:ext uri="{FF2B5EF4-FFF2-40B4-BE49-F238E27FC236}">
-                <a16:creationId xmlns:a16="http://schemas.microsoft.com/office/drawing/2014/main" id="{65DD567B-EBD6-3E54-331F-472B2A027483}"/>
-              </a:ext>
-            </a:extLst>
-          </p:cNvPr>
-          <p:cNvSpPr>
-            <a:spLocks noGrp="1"/>
-          </p:cNvSpPr>
-          <p:nvPr>
-            <p:ph idx="1"/>
-          </p:nvPr>
-        </p:nvSpPr>
-        <p:spPr/>
-        <p:txBody>
-          <a:bodyPr/>
-          <a:lstStyle/>
+              <a:t>コードブロックのメニューから</a:t>
+            </a:r>
+            <a:r>
+              <a:rPr lang="en-US" altLang="ja-JP" dirty="0"/>
+              <a:t>[</a:t>
+            </a:r>
+            <a:r>
+              <a:rPr lang="ja-JP" altLang="en-US" dirty="0"/>
+              <a:t>フォームの追加</a:t>
+            </a:r>
+            <a:r>
+              <a:rPr lang="en-US" altLang="ja-JP" dirty="0"/>
+              <a:t>]</a:t>
+            </a:r>
+            <a:r>
+              <a:rPr lang="ja-JP" altLang="en-US" dirty="0"/>
+              <a:t>を選ぶ</a:t>
+            </a:r>
+            <a:endParaRPr lang="en-US" altLang="ja-JP" dirty="0"/>
+          </a:p>
+          <a:p>
+            <a:pPr marL="0" indent="0">
+              <a:buNone/>
+            </a:pPr>
+            <a:r>
+              <a:rPr lang="ja-JP" altLang="en-US" sz="8000" dirty="0"/>
+              <a:t>　</a:t>
+            </a:r>
+            <a:r>
+              <a:rPr lang="en-US" altLang="ja-JP" dirty="0"/>
+              <a:t>	</a:t>
+            </a:r>
+          </a:p>
           <a:p>
             <a:r>
               <a:rPr kumimoji="1" lang="ja-JP" altLang="en-US" dirty="0"/>
-              <a:t>テキストフィールドに</a:t>
+              <a:t>さらにメニューから</a:t>
             </a:r>
             <a:r>
               <a:rPr kumimoji="1" lang="en-US" altLang="ja-JP" dirty="0"/>
-              <a:t>World</a:t>
+              <a:t>[</a:t>
             </a:r>
             <a:r>
               <a:rPr kumimoji="1" lang="ja-JP" altLang="en-US" dirty="0"/>
-              <a:t>を修飾する語を入れる</a:t>
-            </a:r>
+              <a:t>フォーム</a:t>
+            </a:r>
+            <a:r>
+              <a:rPr kumimoji="1" lang="en-US" altLang="ja-JP" dirty="0"/>
+              <a:t>]-[</a:t>
+            </a:r>
+            <a:r>
+              <a:rPr kumimoji="1" lang="ja-JP" altLang="en-US" dirty="0"/>
+              <a:t>フォーム項目の追加</a:t>
+            </a:r>
+            <a:r>
+              <a:rPr kumimoji="1" lang="en-US" altLang="ja-JP" dirty="0"/>
+              <a:t>]</a:t>
+            </a:r>
+            <a:r>
+              <a:rPr kumimoji="1" lang="ja-JP" altLang="en-US" dirty="0"/>
+              <a:t>を選ぶ</a:t>
+            </a:r>
+            <a:endParaRPr kumimoji="1" lang="en-US" altLang="ja-JP" dirty="0"/>
           </a:p>
           <a:p>
             <a:pPr lvl="1"/>
             <a:r>
               <a:rPr kumimoji="1" lang="ja-JP" altLang="en-US" dirty="0"/>
-              <a:t>例「</a:t>
+              <a:t>フォームの種類やバインドされる変数名の定義等を行い</a:t>
             </a:r>
             <a:r>
               <a:rPr kumimoji="1" lang="en-US" altLang="ja-JP" dirty="0"/>
-              <a:t>Beautiful</a:t>
+              <a:t>[</a:t>
             </a:r>
             <a:r>
               <a:rPr kumimoji="1" lang="ja-JP" altLang="en-US" dirty="0"/>
-              <a:t>」など</a:t>
-            </a:r>
-          </a:p>
-          <a:p>
-            <a:r>
-              <a:rPr kumimoji="1" lang="ja-JP" altLang="en-US" dirty="0"/>
-              <a:t>コードブロックを下に追加し以下のコードを入力</a:t>
-            </a:r>
-            <a:endParaRPr lang="ja-JP" altLang="en-US" dirty="0"/>
-          </a:p>
-          <a:p>
-            <a:endParaRPr kumimoji="1" lang="ja-JP" altLang="en-US" dirty="0"/>
-          </a:p>
-          <a:p>
+              <a:t>保存</a:t>
+            </a:r>
+            <a:r>
+              <a:rPr kumimoji="1" lang="en-US" altLang="ja-JP" dirty="0"/>
+              <a:t>]</a:t>
+            </a:r>
+          </a:p>
+          <a:p>
+            <a:pPr lvl="1"/>
             <a:r>
               <a:rPr lang="ja-JP" altLang="en-US" dirty="0"/>
-              <a:t>実行して結果を見る</a:t>
-            </a:r>
-          </a:p>
-          <a:p>
-            <a:pPr lvl="1"/>
+              <a:t>例えば</a:t>
+            </a:r>
+            <a:r>
+              <a:rPr lang="en-US" altLang="ja-JP" dirty="0"/>
+              <a:t>input</a:t>
+            </a:r>
             <a:r>
               <a:rPr lang="ja-JP" altLang="en-US" dirty="0"/>
-              <a:t>どうなった？</a:t>
-            </a:r>
-          </a:p>
-          <a:p>
-            <a:pPr lvl="1"/>
-            <a:endParaRPr lang="ja-JP" altLang="en-US" dirty="0"/>
-          </a:p>
-          <a:p>
+              <a:t>の</a:t>
+            </a:r>
+            <a:r>
+              <a:rPr lang="en-US" altLang="ja-JP" dirty="0"/>
+              <a:t>string</a:t>
+            </a:r>
             <a:r>
               <a:rPr lang="ja-JP" altLang="en-US" dirty="0"/>
-              <a:t>テキストフィールドに入力した値が</a:t>
+              <a:t>で変数が</a:t>
             </a:r>
             <a:r>
               <a:rPr lang="en-US" altLang="ja-JP" dirty="0" err="1"/>
@@ -5781,16 +5831,10 @@
             </a:r>
             <a:r>
               <a:rPr lang="ja-JP" altLang="en-US" dirty="0"/>
-              <a:t>という変数に割り当てられ、続くプログラムで使う事ができた。</a:t>
-            </a:r>
-            <a:endParaRPr lang="en-US" altLang="ja-JP" dirty="0"/>
-          </a:p>
-          <a:p>
+              <a:t>にバインドされるように</a:t>
+            </a:r>
             <a:endParaRPr kumimoji="1" lang="ja-JP" altLang="en-US" dirty="0"/>
           </a:p>
-          <a:p>
-            <a:endParaRPr lang="ja-JP" altLang="en-US" dirty="0"/>
-          </a:p>
         </p:txBody>
       </p:sp>
       <p:sp>
@@ -5798,7 +5842,7 @@
           <p:cNvPr id="5" name="日付プレースホルダー 4">
             <a:extLst>
               <a:ext uri="{FF2B5EF4-FFF2-40B4-BE49-F238E27FC236}">
-                <a16:creationId xmlns:a16="http://schemas.microsoft.com/office/drawing/2014/main" id="{FF85566C-202C-F2BB-D1F7-3DD5F81C22F5}"/>
+                <a16:creationId xmlns:a16="http://schemas.microsoft.com/office/drawing/2014/main" id="{7AA89F28-7FF4-D040-092C-5777954AB0D8}"/>
               </a:ext>
             </a:extLst>
           </p:cNvPr>
@@ -5827,7 +5871,7 @@
           <p:cNvPr id="6" name="スライド番号プレースホルダー 5">
             <a:extLst>
               <a:ext uri="{FF2B5EF4-FFF2-40B4-BE49-F238E27FC236}">
-                <a16:creationId xmlns:a16="http://schemas.microsoft.com/office/drawing/2014/main" id="{D9442B15-54C4-6687-6947-C21106B96C36}"/>
+                <a16:creationId xmlns:a16="http://schemas.microsoft.com/office/drawing/2014/main" id="{38AF20F4-8FE5-CE0B-61FA-FE5D0CDFC9DC}"/>
               </a:ext>
             </a:extLst>
           </p:cNvPr>
@@ -5851,178 +5895,68 @@
           </a:p>
         </p:txBody>
       </p:sp>
-      <p:sp>
-        <p:nvSpPr>
-          <p:cNvPr id="9" name="テキスト ボックス 8">
-            <a:extLst>
-              <a:ext uri="{FF2B5EF4-FFF2-40B4-BE49-F238E27FC236}">
-                <a16:creationId xmlns:a16="http://schemas.microsoft.com/office/drawing/2014/main" id="{77611158-03F6-B564-D9FA-E9A5D3F755DA}"/>
-              </a:ext>
-            </a:extLst>
-          </p:cNvPr>
-          <p:cNvSpPr txBox="1"/>
+      <p:pic>
+        <p:nvPicPr>
+          <p:cNvPr id="8" name="図 7">
+            <a:extLst>
+              <a:ext uri="{FF2B5EF4-FFF2-40B4-BE49-F238E27FC236}">
+                <a16:creationId xmlns:a16="http://schemas.microsoft.com/office/drawing/2014/main" id="{EE022004-7B73-38B0-2CAA-CB4246E1336C}"/>
+              </a:ext>
+            </a:extLst>
+          </p:cNvPr>
+          <p:cNvPicPr>
+            <a:picLocks noChangeAspect="1"/>
+          </p:cNvPicPr>
           <p:nvPr/>
-        </p:nvSpPr>
+        </p:nvPicPr>
+        <p:blipFill>
+          <a:blip r:embed="rId2"/>
+          <a:srcRect l="7122" t="26621" b="48027"/>
+          <a:stretch/>
+        </p:blipFill>
         <p:spPr>
           <a:xfrm>
-            <a:off x="1224642" y="3222931"/>
-            <a:ext cx="9998529" cy="412137"/>
+            <a:off x="3777342" y="2875446"/>
+            <a:ext cx="4637315" cy="1107107"/>
           </a:xfrm>
           <a:prstGeom prst="rect">
             <a:avLst/>
           </a:prstGeom>
         </p:spPr>
-        <p:style>
-          <a:lnRef idx="0">
-            <a:schemeClr val="accent3"/>
-          </a:lnRef>
-          <a:fillRef idx="3">
-            <a:schemeClr val="accent3"/>
-          </a:fillRef>
-          <a:effectRef idx="3">
-            <a:schemeClr val="accent3"/>
-          </a:effectRef>
-          <a:fontRef idx="minor">
-            <a:schemeClr val="lt1"/>
-          </a:fontRef>
-        </p:style>
-        <p:txBody>
-          <a:bodyPr wrap="square" tIns="108000" bIns="108000" rtlCol="0">
-            <a:spAutoFit/>
-          </a:bodyPr>
-          <a:lstStyle/>
-          <a:p>
-            <a:pPr>
-              <a:lnSpc>
-                <a:spcPts val="1425"/>
-              </a:lnSpc>
-            </a:pPr>
-            <a:r>
-              <a:rPr lang="en-US" altLang="ja-JP" b="0" dirty="0">
-                <a:solidFill>
-                  <a:srgbClr val="DCDCAA"/>
-                </a:solidFill>
-                <a:effectLst/>
-                <a:latin typeface="Consolas" panose="020B0609020204030204" pitchFamily="49" charset="0"/>
-              </a:rPr>
-              <a:t>print</a:t>
-            </a:r>
-            <a:r>
-              <a:rPr lang="en-US" altLang="ja-JP" b="0" dirty="0">
-                <a:solidFill>
-                  <a:srgbClr val="CCCCCC"/>
-                </a:solidFill>
-                <a:effectLst/>
-                <a:latin typeface="Consolas" panose="020B0609020204030204" pitchFamily="49" charset="0"/>
-              </a:rPr>
-              <a:t>(</a:t>
-            </a:r>
-            <a:r>
-              <a:rPr lang="en-US" altLang="ja-JP" b="0" dirty="0">
-                <a:solidFill>
-                  <a:srgbClr val="CE9178"/>
-                </a:solidFill>
-                <a:effectLst/>
-                <a:latin typeface="Consolas" panose="020B0609020204030204" pitchFamily="49" charset="0"/>
-              </a:rPr>
-              <a:t>"Hello ” + </a:t>
-            </a:r>
-            <a:r>
-              <a:rPr lang="en-US" altLang="ja-JP" b="0" dirty="0" err="1">
-                <a:solidFill>
-                  <a:srgbClr val="CE9178"/>
-                </a:solidFill>
-                <a:effectLst/>
-                <a:latin typeface="Consolas" panose="020B0609020204030204" pitchFamily="49" charset="0"/>
-              </a:rPr>
-              <a:t>what_world</a:t>
-            </a:r>
-            <a:r>
-              <a:rPr lang="en-US" altLang="ja-JP" b="0" dirty="0">
-                <a:solidFill>
-                  <a:srgbClr val="CE9178"/>
-                </a:solidFill>
-                <a:effectLst/>
-                <a:latin typeface="Consolas" panose="020B0609020204030204" pitchFamily="49" charset="0"/>
-              </a:rPr>
-              <a:t> + “ World!"</a:t>
-            </a:r>
-            <a:r>
-              <a:rPr lang="en-US" altLang="ja-JP" b="0" dirty="0">
-                <a:solidFill>
-                  <a:srgbClr val="CCCCCC"/>
-                </a:solidFill>
-                <a:effectLst/>
-                <a:latin typeface="Consolas" panose="020B0609020204030204" pitchFamily="49" charset="0"/>
-              </a:rPr>
-              <a:t>)</a:t>
-            </a:r>
-          </a:p>
-        </p:txBody>
-      </p:sp>
-      <p:sp>
-        <p:nvSpPr>
-          <p:cNvPr id="10" name="テキスト ボックス 9">
-            <a:extLst>
-              <a:ext uri="{FF2B5EF4-FFF2-40B4-BE49-F238E27FC236}">
-                <a16:creationId xmlns:a16="http://schemas.microsoft.com/office/drawing/2014/main" id="{84CEBFE8-F3F5-EA53-17FD-29AFA1F1D201}"/>
-              </a:ext>
-            </a:extLst>
-          </p:cNvPr>
-          <p:cNvSpPr txBox="1"/>
+      </p:pic>
+      <p:pic>
+        <p:nvPicPr>
+          <p:cNvPr id="10" name="図 9">
+            <a:extLst>
+              <a:ext uri="{FF2B5EF4-FFF2-40B4-BE49-F238E27FC236}">
+                <a16:creationId xmlns:a16="http://schemas.microsoft.com/office/drawing/2014/main" id="{F92CD589-C179-BAE2-870B-C278EEC16FB1}"/>
+              </a:ext>
+            </a:extLst>
+          </p:cNvPr>
+          <p:cNvPicPr>
+            <a:picLocks noChangeAspect="1"/>
+          </p:cNvPicPr>
           <p:nvPr/>
-        </p:nvSpPr>
+        </p:nvPicPr>
+        <p:blipFill>
+          <a:blip r:embed="rId3"/>
+          <a:srcRect l="4861" t="31429" r="18982" b="38911"/>
+          <a:stretch/>
+        </p:blipFill>
         <p:spPr>
           <a:xfrm>
-            <a:off x="1355270" y="4620237"/>
-            <a:ext cx="9998529" cy="412137"/>
+            <a:off x="4425729" y="5422703"/>
+            <a:ext cx="3857609" cy="1313999"/>
           </a:xfrm>
           <a:prstGeom prst="rect">
             <a:avLst/>
           </a:prstGeom>
         </p:spPr>
-        <p:style>
-          <a:lnRef idx="1">
-            <a:schemeClr val="dk1"/>
-          </a:lnRef>
-          <a:fillRef idx="2">
-            <a:schemeClr val="dk1"/>
-          </a:fillRef>
-          <a:effectRef idx="1">
-            <a:schemeClr val="dk1"/>
-          </a:effectRef>
-          <a:fontRef idx="minor">
-            <a:schemeClr val="dk1"/>
-          </a:fontRef>
-        </p:style>
-        <p:txBody>
-          <a:bodyPr wrap="square" tIns="108000" bIns="108000" rtlCol="0">
-            <a:spAutoFit/>
-          </a:bodyPr>
-          <a:lstStyle/>
-          <a:p>
-            <a:pPr>
-              <a:lnSpc>
-                <a:spcPts val="1425"/>
-              </a:lnSpc>
-            </a:pPr>
-            <a:r>
-              <a:rPr lang="en-US" altLang="ja-JP" b="0" dirty="0">
-                <a:solidFill>
-                  <a:schemeClr val="tx1"/>
-                </a:solidFill>
-                <a:effectLst/>
-                <a:latin typeface="Consolas" panose="020B0609020204030204" pitchFamily="49" charset="0"/>
-              </a:rPr>
-              <a:t>Hello Beautiful World!</a:t>
-            </a:r>
-          </a:p>
-        </p:txBody>
-      </p:sp>
+      </p:pic>
     </p:spTree>
     <p:extLst>
       <p:ext uri="{BB962C8B-B14F-4D97-AF65-F5344CB8AC3E}">
-        <p14:creationId xmlns:p14="http://schemas.microsoft.com/office/powerpoint/2010/main" val="3265067899"/>
+        <p14:creationId xmlns:p14="http://schemas.microsoft.com/office/powerpoint/2010/main" val="1871673332"/>
       </p:ext>
     </p:extLst>
   </p:cSld>
@@ -6066,7 +6000,7 @@
           <p:cNvPr id="2" name="フッター プレースホルダー 1">
             <a:extLst>
               <a:ext uri="{FF2B5EF4-FFF2-40B4-BE49-F238E27FC236}">
-                <a16:creationId xmlns:a16="http://schemas.microsoft.com/office/drawing/2014/main" id="{D8A76A2B-83B7-0CDA-8A7C-0F85FC6FB5F9}"/>
+                <a16:creationId xmlns:a16="http://schemas.microsoft.com/office/drawing/2014/main" id="{6BFA43F6-9587-F470-F754-403EECA64242}"/>
               </a:ext>
             </a:extLst>
           </p:cNvPr>
@@ -6095,7 +6029,7 @@
           <p:cNvPr id="3" name="タイトル 2">
             <a:extLst>
               <a:ext uri="{FF2B5EF4-FFF2-40B4-BE49-F238E27FC236}">
-                <a16:creationId xmlns:a16="http://schemas.microsoft.com/office/drawing/2014/main" id="{D4E5DD9C-D2C6-16F8-0C06-D69CF1E4D1A8}"/>
+                <a16:creationId xmlns:a16="http://schemas.microsoft.com/office/drawing/2014/main" id="{8D4B3A02-E738-B784-0D38-3F136C5067B2}"/>
               </a:ext>
             </a:extLst>
           </p:cNvPr>
@@ -6112,63 +6046,12 @@
           <a:lstStyle/>
           <a:p>
             <a:r>
-              <a:rPr kumimoji="1" lang="ja-JP" altLang="en-US" dirty="0"/>
-              <a:t>生成</a:t>
-            </a:r>
-            <a:r>
-              <a:rPr kumimoji="1" lang="en-US" altLang="ja-JP" dirty="0"/>
-              <a:t>AI</a:t>
-            </a:r>
-            <a:r>
-              <a:rPr kumimoji="1" lang="ja-JP" altLang="en-US" dirty="0"/>
-              <a:t>によるプログラミング</a:t>
-            </a:r>
-          </a:p>
-        </p:txBody>
-      </p:sp>
-      <p:sp>
-        <p:nvSpPr>
-          <p:cNvPr id="4" name="コンテンツ プレースホルダー 3">
-            <a:extLst>
-              <a:ext uri="{FF2B5EF4-FFF2-40B4-BE49-F238E27FC236}">
-                <a16:creationId xmlns:a16="http://schemas.microsoft.com/office/drawing/2014/main" id="{373F6F64-978B-812A-6A57-72B9AD9BFEF5}"/>
-              </a:ext>
-            </a:extLst>
-          </p:cNvPr>
-          <p:cNvSpPr>
-            <a:spLocks noGrp="1"/>
-          </p:cNvSpPr>
-          <p:nvPr>
-            <p:ph idx="1"/>
-          </p:nvPr>
-        </p:nvSpPr>
-        <p:spPr/>
-        <p:txBody>
-          <a:bodyPr/>
-          <a:lstStyle/>
-          <a:p>
-            <a:r>
-              <a:rPr kumimoji="1" lang="ja-JP" altLang="en-US" dirty="0"/>
-              <a:t>コードブロック</a:t>
-            </a:r>
-          </a:p>
-          <a:p>
-            <a:endParaRPr lang="ja-JP" altLang="en-US" dirty="0"/>
-          </a:p>
-          <a:p>
-            <a:endParaRPr kumimoji="1" lang="ja-JP" altLang="en-US" dirty="0"/>
-          </a:p>
-          <a:p>
-            <a:endParaRPr lang="ja-JP" altLang="en-US" dirty="0"/>
-          </a:p>
-          <a:p>
-            <a:r>
               <a:rPr lang="en-US" altLang="ja-JP" dirty="0"/>
-              <a:t>[</a:t>
+              <a:t>Hello World [</a:t>
             </a:r>
             <a:r>
               <a:rPr lang="ja-JP" altLang="en-US" dirty="0"/>
-              <a:t>生成</a:t>
+              <a:t>改</a:t>
             </a:r>
             <a:r>
               <a:rPr lang="en-US" altLang="ja-JP" dirty="0"/>
@@ -6176,7 +6059,7 @@
             </a:r>
             <a:r>
               <a:rPr lang="ja-JP" altLang="en-US" dirty="0"/>
-              <a:t>をクリックするとテキストフィールドが表れる</a:t>
+              <a:t> つづき</a:t>
             </a:r>
             <a:endParaRPr kumimoji="1" lang="ja-JP" altLang="en-US" dirty="0"/>
           </a:p>
@@ -6184,10 +6067,109 @@
       </p:sp>
       <p:sp>
         <p:nvSpPr>
+          <p:cNvPr id="4" name="コンテンツ プレースホルダー 3">
+            <a:extLst>
+              <a:ext uri="{FF2B5EF4-FFF2-40B4-BE49-F238E27FC236}">
+                <a16:creationId xmlns:a16="http://schemas.microsoft.com/office/drawing/2014/main" id="{65DD567B-EBD6-3E54-331F-472B2A027483}"/>
+              </a:ext>
+            </a:extLst>
+          </p:cNvPr>
+          <p:cNvSpPr>
+            <a:spLocks noGrp="1"/>
+          </p:cNvSpPr>
+          <p:nvPr>
+            <p:ph idx="1"/>
+          </p:nvPr>
+        </p:nvSpPr>
+        <p:spPr/>
+        <p:txBody>
+          <a:bodyPr/>
+          <a:lstStyle/>
+          <a:p>
+            <a:r>
+              <a:rPr kumimoji="1" lang="ja-JP" altLang="en-US" dirty="0"/>
+              <a:t>テキストフィールドに</a:t>
+            </a:r>
+            <a:r>
+              <a:rPr kumimoji="1" lang="en-US" altLang="ja-JP" dirty="0"/>
+              <a:t>World</a:t>
+            </a:r>
+            <a:r>
+              <a:rPr kumimoji="1" lang="ja-JP" altLang="en-US" dirty="0"/>
+              <a:t>を修飾する語を入れる</a:t>
+            </a:r>
+          </a:p>
+          <a:p>
+            <a:pPr lvl="1"/>
+            <a:r>
+              <a:rPr kumimoji="1" lang="ja-JP" altLang="en-US" dirty="0"/>
+              <a:t>例「</a:t>
+            </a:r>
+            <a:r>
+              <a:rPr kumimoji="1" lang="en-US" altLang="ja-JP" dirty="0"/>
+              <a:t>Beautiful</a:t>
+            </a:r>
+            <a:r>
+              <a:rPr kumimoji="1" lang="ja-JP" altLang="en-US" dirty="0"/>
+              <a:t>」など</a:t>
+            </a:r>
+          </a:p>
+          <a:p>
+            <a:r>
+              <a:rPr kumimoji="1" lang="ja-JP" altLang="en-US" dirty="0"/>
+              <a:t>コードブロックを下に追加し以下のコードを入力</a:t>
+            </a:r>
+            <a:endParaRPr lang="ja-JP" altLang="en-US" dirty="0"/>
+          </a:p>
+          <a:p>
+            <a:endParaRPr kumimoji="1" lang="ja-JP" altLang="en-US" dirty="0"/>
+          </a:p>
+          <a:p>
+            <a:r>
+              <a:rPr lang="ja-JP" altLang="en-US" dirty="0"/>
+              <a:t>実行して結果を見る</a:t>
+            </a:r>
+          </a:p>
+          <a:p>
+            <a:pPr lvl="1"/>
+            <a:r>
+              <a:rPr lang="ja-JP" altLang="en-US" dirty="0"/>
+              <a:t>どうなった？</a:t>
+            </a:r>
+          </a:p>
+          <a:p>
+            <a:pPr lvl="1"/>
+            <a:endParaRPr lang="ja-JP" altLang="en-US" dirty="0"/>
+          </a:p>
+          <a:p>
+            <a:r>
+              <a:rPr lang="ja-JP" altLang="en-US" dirty="0"/>
+              <a:t>テキストフィールドに入力した値が</a:t>
+            </a:r>
+            <a:r>
+              <a:rPr lang="en-US" altLang="ja-JP" dirty="0" err="1"/>
+              <a:t>what_world</a:t>
+            </a:r>
+            <a:r>
+              <a:rPr lang="ja-JP" altLang="en-US" dirty="0"/>
+              <a:t>という変数に割り当てられ、続くプログラムで使う事ができた。</a:t>
+            </a:r>
+            <a:endParaRPr lang="en-US" altLang="ja-JP" dirty="0"/>
+          </a:p>
+          <a:p>
+            <a:endParaRPr kumimoji="1" lang="ja-JP" altLang="en-US" dirty="0"/>
+          </a:p>
+          <a:p>
+            <a:endParaRPr lang="ja-JP" altLang="en-US" dirty="0"/>
+          </a:p>
+        </p:txBody>
+      </p:sp>
+      <p:sp>
+        <p:nvSpPr>
           <p:cNvPr id="5" name="日付プレースホルダー 4">
             <a:extLst>
               <a:ext uri="{FF2B5EF4-FFF2-40B4-BE49-F238E27FC236}">
-                <a16:creationId xmlns:a16="http://schemas.microsoft.com/office/drawing/2014/main" id="{6DA30F66-F9BC-10A5-2246-C4AF5A483DF1}"/>
+                <a16:creationId xmlns:a16="http://schemas.microsoft.com/office/drawing/2014/main" id="{FF85566C-202C-F2BB-D1F7-3DD5F81C22F5}"/>
               </a:ext>
             </a:extLst>
           </p:cNvPr>
@@ -6216,7 +6198,7 @@
           <p:cNvPr id="6" name="スライド番号プレースホルダー 5">
             <a:extLst>
               <a:ext uri="{FF2B5EF4-FFF2-40B4-BE49-F238E27FC236}">
-                <a16:creationId xmlns:a16="http://schemas.microsoft.com/office/drawing/2014/main" id="{74274DD3-D3A0-C2CD-D251-65133CB87B9E}"/>
+                <a16:creationId xmlns:a16="http://schemas.microsoft.com/office/drawing/2014/main" id="{D9442B15-54C4-6687-6947-C21106B96C36}"/>
               </a:ext>
             </a:extLst>
           </p:cNvPr>
@@ -6240,76 +6222,82 @@
           </a:p>
         </p:txBody>
       </p:sp>
-      <p:pic>
-        <p:nvPicPr>
-          <p:cNvPr id="8" name="図 7">
-            <a:extLst>
-              <a:ext uri="{FF2B5EF4-FFF2-40B4-BE49-F238E27FC236}">
-                <a16:creationId xmlns:a16="http://schemas.microsoft.com/office/drawing/2014/main" id="{A0B5A3FA-90E2-324A-37C0-77FA304EBB79}"/>
-              </a:ext>
-            </a:extLst>
-          </p:cNvPr>
-          <p:cNvPicPr>
-            <a:picLocks noChangeAspect="1"/>
-          </p:cNvPicPr>
+      <p:sp>
+        <p:nvSpPr>
+          <p:cNvPr id="9" name="テキスト ボックス 8">
+            <a:extLst>
+              <a:ext uri="{FF2B5EF4-FFF2-40B4-BE49-F238E27FC236}">
+                <a16:creationId xmlns:a16="http://schemas.microsoft.com/office/drawing/2014/main" id="{77611158-03F6-B564-D9FA-E9A5D3F755DA}"/>
+              </a:ext>
+            </a:extLst>
+          </p:cNvPr>
+          <p:cNvSpPr txBox="1"/>
           <p:nvPr/>
-        </p:nvPicPr>
-        <p:blipFill>
-          <a:blip r:embed="rId2"/>
-          <a:srcRect l="7213" t="31806" r="2620" b="51250"/>
-          <a:stretch/>
-        </p:blipFill>
+        </p:nvSpPr>
         <p:spPr>
           <a:xfrm>
-            <a:off x="2476500" y="2352674"/>
-            <a:ext cx="7105650" cy="1162051"/>
+            <a:off x="1224642" y="3222931"/>
+            <a:ext cx="9998529" cy="412137"/>
           </a:xfrm>
           <a:prstGeom prst="rect">
             <a:avLst/>
           </a:prstGeom>
         </p:spPr>
-      </p:pic>
-      <p:sp>
-        <p:nvSpPr>
-          <p:cNvPr id="9" name="矢印: 下 8">
-            <a:extLst>
-              <a:ext uri="{FF2B5EF4-FFF2-40B4-BE49-F238E27FC236}">
-                <a16:creationId xmlns:a16="http://schemas.microsoft.com/office/drawing/2014/main" id="{D6892384-7E87-9CA5-F750-0B999F10F5EF}"/>
-              </a:ext>
-            </a:extLst>
-          </p:cNvPr>
-          <p:cNvSpPr/>
-          <p:nvPr/>
-        </p:nvSpPr>
-        <p:spPr>
-          <a:xfrm>
-            <a:off x="5200650" y="2009775"/>
-            <a:ext cx="400050" cy="666750"/>
-          </a:xfrm>
-          <a:prstGeom prst="downArrow">
-            <a:avLst/>
-          </a:prstGeom>
-        </p:spPr>
         <p:style>
           <a:lnRef idx="0">
-            <a:schemeClr val="accent5"/>
+            <a:schemeClr val="accent3"/>
           </a:lnRef>
           <a:fillRef idx="3">
-            <a:schemeClr val="accent5"/>
+            <a:schemeClr val="accent3"/>
           </a:fillRef>
           <a:effectRef idx="3">
-            <a:schemeClr val="accent5"/>
+            <a:schemeClr val="accent3"/>
           </a:effectRef>
           <a:fontRef idx="minor">
             <a:schemeClr val="lt1"/>
           </a:fontRef>
         </p:style>
         <p:txBody>
-          <a:bodyPr rtlCol="0" anchor="ctr"/>
-          <a:lstStyle/>
-          <a:p>
-            <a:pPr algn="ctr"/>
-            <a:endParaRPr kumimoji="1" lang="ja-JP" altLang="en-US"/>
+          <a:bodyPr wrap="square" tIns="108000" bIns="108000" rtlCol="0">
+            <a:spAutoFit/>
+          </a:bodyPr>
+          <a:lstStyle/>
+          <a:p>
+            <a:pPr>
+              <a:lnSpc>
+                <a:spcPts val="1425"/>
+              </a:lnSpc>
+            </a:pPr>
+            <a:r>
+              <a:rPr lang="en-US" altLang="ja-JP" b="0" dirty="0">
+                <a:solidFill>
+                  <a:schemeClr val="tx2"/>
+                </a:solidFill>
+                <a:effectLst/>
+                <a:latin typeface="Consolas" panose="020B0609020204030204" pitchFamily="49" charset="0"/>
+              </a:rPr>
+              <a:t>print("Hello ” + </a:t>
+            </a:r>
+            <a:r>
+              <a:rPr lang="en-US" altLang="ja-JP" b="0" dirty="0" err="1">
+                <a:solidFill>
+                  <a:schemeClr val="tx2"/>
+                </a:solidFill>
+                <a:effectLst/>
+                <a:latin typeface="Consolas" panose="020B0609020204030204" pitchFamily="49" charset="0"/>
+              </a:rPr>
+              <a:t>what_world</a:t>
+            </a:r>
+            <a:r>
+              <a:rPr lang="en-US" altLang="ja-JP" b="0" dirty="0">
+                <a:solidFill>
+                  <a:schemeClr val="tx2"/>
+                </a:solidFill>
+                <a:effectLst/>
+                <a:latin typeface="Consolas" panose="020B0609020204030204" pitchFamily="49" charset="0"/>
+              </a:rPr>
+              <a:t> + “ World!")</a:t>
+            </a:r>
           </a:p>
         </p:txBody>
       </p:sp>
@@ -6318,7 +6306,7 @@
           <p:cNvPr id="10" name="テキスト ボックス 9">
             <a:extLst>
               <a:ext uri="{FF2B5EF4-FFF2-40B4-BE49-F238E27FC236}">
-                <a16:creationId xmlns:a16="http://schemas.microsoft.com/office/drawing/2014/main" id="{70D610EA-D463-A44A-6F1C-70B9FA06B2C6}"/>
+                <a16:creationId xmlns:a16="http://schemas.microsoft.com/office/drawing/2014/main" id="{84CEBFE8-F3F5-EA53-17FD-29AFA1F1D201}"/>
               </a:ext>
             </a:extLst>
           </p:cNvPr>
@@ -6327,104 +6315,55 @@
         </p:nvSpPr>
         <p:spPr>
           <a:xfrm>
-            <a:off x="5502730" y="1951831"/>
-            <a:ext cx="4838700" cy="369332"/>
-          </a:xfrm>
-          <a:prstGeom prst="rect">
-            <a:avLst/>
-          </a:prstGeom>
-          <a:noFill/>
-        </p:spPr>
-        <p:txBody>
-          <a:bodyPr wrap="square" rtlCol="0">
-            <a:spAutoFit/>
-          </a:bodyPr>
-          <a:lstStyle/>
-          <a:p>
-            <a:r>
-              <a:rPr kumimoji="1" lang="ja-JP" altLang="en-US" dirty="0"/>
-              <a:t>ここに着目！</a:t>
-            </a:r>
-          </a:p>
-        </p:txBody>
-      </p:sp>
-      <p:pic>
-        <p:nvPicPr>
-          <p:cNvPr id="12" name="図 11">
-            <a:extLst>
-              <a:ext uri="{FF2B5EF4-FFF2-40B4-BE49-F238E27FC236}">
-                <a16:creationId xmlns:a16="http://schemas.microsoft.com/office/drawing/2014/main" id="{2B0F9868-005E-102C-1C8B-5611B66549FD}"/>
-              </a:ext>
-            </a:extLst>
-          </p:cNvPr>
-          <p:cNvPicPr>
-            <a:picLocks noChangeAspect="1"/>
-          </p:cNvPicPr>
-          <p:nvPr/>
-        </p:nvPicPr>
-        <p:blipFill>
-          <a:blip r:embed="rId3"/>
-          <a:srcRect l="7578" t="32778" r="2256" b="44722"/>
-          <a:stretch/>
-        </p:blipFill>
-        <p:spPr>
-          <a:xfrm>
-            <a:off x="2543174" y="4451350"/>
-            <a:ext cx="7105651" cy="1543050"/>
+            <a:off x="1355270" y="4620237"/>
+            <a:ext cx="9998529" cy="412137"/>
           </a:xfrm>
           <a:prstGeom prst="rect">
             <a:avLst/>
           </a:prstGeom>
         </p:spPr>
-      </p:pic>
-      <p:sp>
-        <p:nvSpPr>
-          <p:cNvPr id="13" name="矢印: 下 12">
-            <a:extLst>
-              <a:ext uri="{FF2B5EF4-FFF2-40B4-BE49-F238E27FC236}">
-                <a16:creationId xmlns:a16="http://schemas.microsoft.com/office/drawing/2014/main" id="{E0B8807F-3F06-F2A2-BC30-4287098441B0}"/>
-              </a:ext>
-            </a:extLst>
-          </p:cNvPr>
-          <p:cNvSpPr/>
-          <p:nvPr/>
-        </p:nvSpPr>
-        <p:spPr>
-          <a:xfrm rot="16200000">
-            <a:off x="3514725" y="4552950"/>
-            <a:ext cx="400050" cy="666750"/>
-          </a:xfrm>
-          <a:prstGeom prst="downArrow">
-            <a:avLst/>
-          </a:prstGeom>
-        </p:spPr>
         <p:style>
-          <a:lnRef idx="0">
-            <a:schemeClr val="accent5"/>
+          <a:lnRef idx="1">
+            <a:schemeClr val="dk1"/>
           </a:lnRef>
-          <a:fillRef idx="3">
-            <a:schemeClr val="accent5"/>
+          <a:fillRef idx="2">
+            <a:schemeClr val="dk1"/>
           </a:fillRef>
-          <a:effectRef idx="3">
-            <a:schemeClr val="accent5"/>
+          <a:effectRef idx="1">
+            <a:schemeClr val="dk1"/>
           </a:effectRef>
           <a:fontRef idx="minor">
-            <a:schemeClr val="lt1"/>
+            <a:schemeClr val="dk1"/>
           </a:fontRef>
         </p:style>
         <p:txBody>
-          <a:bodyPr rtlCol="0" anchor="ctr"/>
-          <a:lstStyle/>
-          <a:p>
-            <a:pPr algn="ctr"/>
-            <a:endParaRPr kumimoji="1" lang="ja-JP" altLang="en-US"/>
+          <a:bodyPr wrap="square" tIns="108000" bIns="108000" rtlCol="0">
+            <a:spAutoFit/>
+          </a:bodyPr>
+          <a:lstStyle/>
+          <a:p>
+            <a:pPr>
+              <a:lnSpc>
+                <a:spcPts val="1425"/>
+              </a:lnSpc>
+            </a:pPr>
+            <a:r>
+              <a:rPr lang="en-US" altLang="ja-JP" b="0" dirty="0">
+                <a:solidFill>
+                  <a:schemeClr val="tx1"/>
+                </a:solidFill>
+                <a:effectLst/>
+                <a:latin typeface="Consolas" panose="020B0609020204030204" pitchFamily="49" charset="0"/>
+              </a:rPr>
+              <a:t>Hello Beautiful World!</a:t>
+            </a:r>
           </a:p>
         </p:txBody>
       </p:sp>
     </p:spTree>
     <p:extLst>
       <p:ext uri="{BB962C8B-B14F-4D97-AF65-F5344CB8AC3E}">
-        <p14:creationId xmlns:p14="http://schemas.microsoft.com/office/powerpoint/2010/main" val="2643629114"/>
+        <p14:creationId xmlns:p14="http://schemas.microsoft.com/office/powerpoint/2010/main" val="3265067899"/>
       </p:ext>
     </p:extLst>
   </p:cSld>
@@ -6468,7 +6407,7 @@
           <p:cNvPr id="2" name="フッター プレースホルダー 1">
             <a:extLst>
               <a:ext uri="{FF2B5EF4-FFF2-40B4-BE49-F238E27FC236}">
-                <a16:creationId xmlns:a16="http://schemas.microsoft.com/office/drawing/2014/main" id="{2C4C4ABB-2184-D788-F121-C8CDB64A84E6}"/>
+                <a16:creationId xmlns:a16="http://schemas.microsoft.com/office/drawing/2014/main" id="{D8A76A2B-83B7-0CDA-8A7C-0F85FC6FB5F9}"/>
               </a:ext>
             </a:extLst>
           </p:cNvPr>
@@ -6497,7 +6436,7 @@
           <p:cNvPr id="3" name="タイトル 2">
             <a:extLst>
               <a:ext uri="{FF2B5EF4-FFF2-40B4-BE49-F238E27FC236}">
-                <a16:creationId xmlns:a16="http://schemas.microsoft.com/office/drawing/2014/main" id="{CF5F77F1-CB20-D625-A717-F85A929B2D46}"/>
+                <a16:creationId xmlns:a16="http://schemas.microsoft.com/office/drawing/2014/main" id="{D4E5DD9C-D2C6-16F8-0C06-D69CF1E4D1A8}"/>
               </a:ext>
             </a:extLst>
           </p:cNvPr>
@@ -6523,48 +6462,62 @@
             </a:r>
             <a:r>
               <a:rPr kumimoji="1" lang="ja-JP" altLang="en-US" dirty="0"/>
-              <a:t>による</a:t>
-            </a:r>
-            <a:r>
-              <a:rPr kumimoji="1" lang="en-US" altLang="ja-JP" dirty="0"/>
-              <a:t>Hello World!</a:t>
-            </a:r>
+              <a:t>によるプログラミング</a:t>
+            </a:r>
+          </a:p>
+        </p:txBody>
+      </p:sp>
+      <p:sp>
+        <p:nvSpPr>
+          <p:cNvPr id="4" name="コンテンツ プレースホルダー 3">
+            <a:extLst>
+              <a:ext uri="{FF2B5EF4-FFF2-40B4-BE49-F238E27FC236}">
+                <a16:creationId xmlns:a16="http://schemas.microsoft.com/office/drawing/2014/main" id="{373F6F64-978B-812A-6A57-72B9AD9BFEF5}"/>
+              </a:ext>
+            </a:extLst>
+          </p:cNvPr>
+          <p:cNvSpPr>
+            <a:spLocks noGrp="1"/>
+          </p:cNvSpPr>
+          <p:nvPr>
+            <p:ph idx="1"/>
+          </p:nvPr>
+        </p:nvSpPr>
+        <p:spPr/>
+        <p:txBody>
+          <a:bodyPr/>
+          <a:lstStyle/>
+          <a:p>
+            <a:r>
+              <a:rPr kumimoji="1" lang="ja-JP" altLang="en-US" dirty="0"/>
+              <a:t>コードブロック</a:t>
+            </a:r>
+          </a:p>
+          <a:p>
+            <a:endParaRPr lang="ja-JP" altLang="en-US" dirty="0"/>
+          </a:p>
+          <a:p>
             <a:endParaRPr kumimoji="1" lang="ja-JP" altLang="en-US" dirty="0"/>
           </a:p>
-        </p:txBody>
-      </p:sp>
-      <p:sp>
-        <p:nvSpPr>
-          <p:cNvPr id="4" name="コンテンツ プレースホルダー 3">
-            <a:extLst>
-              <a:ext uri="{FF2B5EF4-FFF2-40B4-BE49-F238E27FC236}">
-                <a16:creationId xmlns:a16="http://schemas.microsoft.com/office/drawing/2014/main" id="{3495BDB2-3396-04E6-2248-824338B079E6}"/>
-              </a:ext>
-            </a:extLst>
-          </p:cNvPr>
-          <p:cNvSpPr>
-            <a:spLocks noGrp="1"/>
-          </p:cNvSpPr>
-          <p:nvPr>
-            <p:ph idx="1"/>
-          </p:nvPr>
-        </p:nvSpPr>
-        <p:spPr/>
-        <p:txBody>
-          <a:bodyPr/>
-          <a:lstStyle/>
-          <a:p>
+          <a:p>
+            <a:endParaRPr lang="ja-JP" altLang="en-US" dirty="0"/>
+          </a:p>
+          <a:p>
+            <a:r>
+              <a:rPr lang="en-US" altLang="ja-JP" dirty="0"/>
+              <a:t>[</a:t>
+            </a:r>
             <a:r>
               <a:rPr lang="ja-JP" altLang="en-US" dirty="0"/>
-              <a:t>テキストフィールドに</a:t>
+              <a:t>生成</a:t>
             </a:r>
             <a:r>
               <a:rPr lang="en-US" altLang="ja-JP" dirty="0"/>
-              <a:t>[Hello World]</a:t>
+              <a:t>]</a:t>
             </a:r>
             <a:r>
               <a:rPr lang="ja-JP" altLang="en-US" dirty="0"/>
-              <a:t>と入れてみる</a:t>
+              <a:t>をクリックするとテキストフィールドが表れる</a:t>
             </a:r>
             <a:endParaRPr kumimoji="1" lang="ja-JP" altLang="en-US" dirty="0"/>
           </a:p>
@@ -6575,7 +6528,7 @@
           <p:cNvPr id="5" name="日付プレースホルダー 4">
             <a:extLst>
               <a:ext uri="{FF2B5EF4-FFF2-40B4-BE49-F238E27FC236}">
-                <a16:creationId xmlns:a16="http://schemas.microsoft.com/office/drawing/2014/main" id="{5A82AB3D-AF9D-95DE-A97A-D4023CD527B1}"/>
+                <a16:creationId xmlns:a16="http://schemas.microsoft.com/office/drawing/2014/main" id="{6DA30F66-F9BC-10A5-2246-C4AF5A483DF1}"/>
               </a:ext>
             </a:extLst>
           </p:cNvPr>
@@ -6604,7 +6557,7 @@
           <p:cNvPr id="6" name="スライド番号プレースホルダー 5">
             <a:extLst>
               <a:ext uri="{FF2B5EF4-FFF2-40B4-BE49-F238E27FC236}">
-                <a16:creationId xmlns:a16="http://schemas.microsoft.com/office/drawing/2014/main" id="{7A24FD41-A84F-E3A1-13E1-8FC4796FDF77}"/>
+                <a16:creationId xmlns:a16="http://schemas.microsoft.com/office/drawing/2014/main" id="{74274DD3-D3A0-C2CD-D251-65133CB87B9E}"/>
               </a:ext>
             </a:extLst>
           </p:cNvPr>
@@ -6623,6 +6576,394 @@
             <a:fld id="{B4DA0251-0B3B-4C1C-96DC-5D2833458AB2}" type="slidenum">
               <a:rPr kumimoji="1" lang="ja-JP" altLang="en-US" smtClean="0"/>
               <a:t>12</a:t>
+            </a:fld>
+            <a:endParaRPr kumimoji="1" lang="ja-JP" altLang="en-US"/>
+          </a:p>
+        </p:txBody>
+      </p:sp>
+      <p:pic>
+        <p:nvPicPr>
+          <p:cNvPr id="8" name="図 7">
+            <a:extLst>
+              <a:ext uri="{FF2B5EF4-FFF2-40B4-BE49-F238E27FC236}">
+                <a16:creationId xmlns:a16="http://schemas.microsoft.com/office/drawing/2014/main" id="{A0B5A3FA-90E2-324A-37C0-77FA304EBB79}"/>
+              </a:ext>
+            </a:extLst>
+          </p:cNvPr>
+          <p:cNvPicPr>
+            <a:picLocks noChangeAspect="1"/>
+          </p:cNvPicPr>
+          <p:nvPr/>
+        </p:nvPicPr>
+        <p:blipFill>
+          <a:blip r:embed="rId2"/>
+          <a:srcRect l="7213" t="31806" r="2620" b="51250"/>
+          <a:stretch/>
+        </p:blipFill>
+        <p:spPr>
+          <a:xfrm>
+            <a:off x="2476500" y="2352674"/>
+            <a:ext cx="7105650" cy="1162051"/>
+          </a:xfrm>
+          <a:prstGeom prst="rect">
+            <a:avLst/>
+          </a:prstGeom>
+        </p:spPr>
+      </p:pic>
+      <p:sp>
+        <p:nvSpPr>
+          <p:cNvPr id="9" name="矢印: 下 8">
+            <a:extLst>
+              <a:ext uri="{FF2B5EF4-FFF2-40B4-BE49-F238E27FC236}">
+                <a16:creationId xmlns:a16="http://schemas.microsoft.com/office/drawing/2014/main" id="{D6892384-7E87-9CA5-F750-0B999F10F5EF}"/>
+              </a:ext>
+            </a:extLst>
+          </p:cNvPr>
+          <p:cNvSpPr/>
+          <p:nvPr/>
+        </p:nvSpPr>
+        <p:spPr>
+          <a:xfrm>
+            <a:off x="5200650" y="2009775"/>
+            <a:ext cx="400050" cy="666750"/>
+          </a:xfrm>
+          <a:prstGeom prst="downArrow">
+            <a:avLst/>
+          </a:prstGeom>
+        </p:spPr>
+        <p:style>
+          <a:lnRef idx="0">
+            <a:schemeClr val="accent5"/>
+          </a:lnRef>
+          <a:fillRef idx="3">
+            <a:schemeClr val="accent5"/>
+          </a:fillRef>
+          <a:effectRef idx="3">
+            <a:schemeClr val="accent5"/>
+          </a:effectRef>
+          <a:fontRef idx="minor">
+            <a:schemeClr val="lt1"/>
+          </a:fontRef>
+        </p:style>
+        <p:txBody>
+          <a:bodyPr rtlCol="0" anchor="ctr"/>
+          <a:lstStyle/>
+          <a:p>
+            <a:pPr algn="ctr"/>
+            <a:endParaRPr kumimoji="1" lang="ja-JP" altLang="en-US"/>
+          </a:p>
+        </p:txBody>
+      </p:sp>
+      <p:sp>
+        <p:nvSpPr>
+          <p:cNvPr id="10" name="テキスト ボックス 9">
+            <a:extLst>
+              <a:ext uri="{FF2B5EF4-FFF2-40B4-BE49-F238E27FC236}">
+                <a16:creationId xmlns:a16="http://schemas.microsoft.com/office/drawing/2014/main" id="{70D610EA-D463-A44A-6F1C-70B9FA06B2C6}"/>
+              </a:ext>
+            </a:extLst>
+          </p:cNvPr>
+          <p:cNvSpPr txBox="1"/>
+          <p:nvPr/>
+        </p:nvSpPr>
+        <p:spPr>
+          <a:xfrm>
+            <a:off x="5502730" y="1951831"/>
+            <a:ext cx="4838700" cy="369332"/>
+          </a:xfrm>
+          <a:prstGeom prst="rect">
+            <a:avLst/>
+          </a:prstGeom>
+          <a:noFill/>
+        </p:spPr>
+        <p:txBody>
+          <a:bodyPr wrap="square" rtlCol="0">
+            <a:spAutoFit/>
+          </a:bodyPr>
+          <a:lstStyle/>
+          <a:p>
+            <a:r>
+              <a:rPr kumimoji="1" lang="ja-JP" altLang="en-US" dirty="0"/>
+              <a:t>ここに着目！</a:t>
+            </a:r>
+          </a:p>
+        </p:txBody>
+      </p:sp>
+      <p:pic>
+        <p:nvPicPr>
+          <p:cNvPr id="12" name="図 11">
+            <a:extLst>
+              <a:ext uri="{FF2B5EF4-FFF2-40B4-BE49-F238E27FC236}">
+                <a16:creationId xmlns:a16="http://schemas.microsoft.com/office/drawing/2014/main" id="{2B0F9868-005E-102C-1C8B-5611B66549FD}"/>
+              </a:ext>
+            </a:extLst>
+          </p:cNvPr>
+          <p:cNvPicPr>
+            <a:picLocks noChangeAspect="1"/>
+          </p:cNvPicPr>
+          <p:nvPr/>
+        </p:nvPicPr>
+        <p:blipFill>
+          <a:blip r:embed="rId3"/>
+          <a:srcRect l="7578" t="32778" r="2256" b="44722"/>
+          <a:stretch/>
+        </p:blipFill>
+        <p:spPr>
+          <a:xfrm>
+            <a:off x="2543174" y="4451350"/>
+            <a:ext cx="7105651" cy="1543050"/>
+          </a:xfrm>
+          <a:prstGeom prst="rect">
+            <a:avLst/>
+          </a:prstGeom>
+        </p:spPr>
+      </p:pic>
+      <p:sp>
+        <p:nvSpPr>
+          <p:cNvPr id="13" name="矢印: 下 12">
+            <a:extLst>
+              <a:ext uri="{FF2B5EF4-FFF2-40B4-BE49-F238E27FC236}">
+                <a16:creationId xmlns:a16="http://schemas.microsoft.com/office/drawing/2014/main" id="{E0B8807F-3F06-F2A2-BC30-4287098441B0}"/>
+              </a:ext>
+            </a:extLst>
+          </p:cNvPr>
+          <p:cNvSpPr/>
+          <p:nvPr/>
+        </p:nvSpPr>
+        <p:spPr>
+          <a:xfrm rot="16200000">
+            <a:off x="3514725" y="4552950"/>
+            <a:ext cx="400050" cy="666750"/>
+          </a:xfrm>
+          <a:prstGeom prst="downArrow">
+            <a:avLst/>
+          </a:prstGeom>
+        </p:spPr>
+        <p:style>
+          <a:lnRef idx="0">
+            <a:schemeClr val="accent5"/>
+          </a:lnRef>
+          <a:fillRef idx="3">
+            <a:schemeClr val="accent5"/>
+          </a:fillRef>
+          <a:effectRef idx="3">
+            <a:schemeClr val="accent5"/>
+          </a:effectRef>
+          <a:fontRef idx="minor">
+            <a:schemeClr val="lt1"/>
+          </a:fontRef>
+        </p:style>
+        <p:txBody>
+          <a:bodyPr rtlCol="0" anchor="ctr"/>
+          <a:lstStyle/>
+          <a:p>
+            <a:pPr algn="ctr"/>
+            <a:endParaRPr kumimoji="1" lang="ja-JP" altLang="en-US"/>
+          </a:p>
+        </p:txBody>
+      </p:sp>
+    </p:spTree>
+    <p:extLst>
+      <p:ext uri="{BB962C8B-B14F-4D97-AF65-F5344CB8AC3E}">
+        <p14:creationId xmlns:p14="http://schemas.microsoft.com/office/powerpoint/2010/main" val="2643629114"/>
+      </p:ext>
+    </p:extLst>
+  </p:cSld>
+  <p:clrMapOvr>
+    <a:masterClrMapping/>
+  </p:clrMapOvr>
+  <mc:AlternateContent xmlns:mc="http://schemas.openxmlformats.org/markup-compatibility/2006" xmlns:p14="http://schemas.microsoft.com/office/powerpoint/2010/main">
+    <mc:Choice Requires="p14">
+      <p:transition spd="med" p14:dur="700">
+        <p:fade/>
+      </p:transition>
+    </mc:Choice>
+    <mc:Fallback xmlns="">
+      <p:transition spd="med">
+        <p:fade/>
+      </p:transition>
+    </mc:Fallback>
+  </mc:AlternateContent>
+</p:sld>
+</file>
+
+<file path=ppt/slides/slide13.xml><?xml version="1.0" encoding="utf-8"?>
+<p:sld xmlns:a="http://schemas.openxmlformats.org/drawingml/2006/main" xmlns:r="http://schemas.openxmlformats.org/officeDocument/2006/relationships" xmlns:p="http://schemas.openxmlformats.org/presentationml/2006/main">
+  <p:cSld>
+    <p:spTree>
+      <p:nvGrpSpPr>
+        <p:cNvPr id="1" name=""/>
+        <p:cNvGrpSpPr/>
+        <p:nvPr/>
+      </p:nvGrpSpPr>
+      <p:grpSpPr>
+        <a:xfrm>
+          <a:off x="0" y="0"/>
+          <a:ext cx="0" cy="0"/>
+          <a:chOff x="0" y="0"/>
+          <a:chExt cx="0" cy="0"/>
+        </a:xfrm>
+      </p:grpSpPr>
+      <p:sp>
+        <p:nvSpPr>
+          <p:cNvPr id="2" name="フッター プレースホルダー 1">
+            <a:extLst>
+              <a:ext uri="{FF2B5EF4-FFF2-40B4-BE49-F238E27FC236}">
+                <a16:creationId xmlns:a16="http://schemas.microsoft.com/office/drawing/2014/main" id="{2C4C4ABB-2184-D788-F121-C8CDB64A84E6}"/>
+              </a:ext>
+            </a:extLst>
+          </p:cNvPr>
+          <p:cNvSpPr>
+            <a:spLocks noGrp="1"/>
+          </p:cNvSpPr>
+          <p:nvPr>
+            <p:ph type="ftr" sz="quarter" idx="11"/>
+          </p:nvPr>
+        </p:nvSpPr>
+        <p:spPr/>
+        <p:txBody>
+          <a:bodyPr/>
+          <a:lstStyle/>
+          <a:p>
+            <a:r>
+              <a:rPr kumimoji="1" lang="ja-JP" altLang="en-US"/>
+              <a:t>情報科学ｃ</a:t>
+            </a:r>
+            <a:endParaRPr kumimoji="1" lang="ja-JP" altLang="en-US" dirty="0"/>
+          </a:p>
+        </p:txBody>
+      </p:sp>
+      <p:sp>
+        <p:nvSpPr>
+          <p:cNvPr id="3" name="タイトル 2">
+            <a:extLst>
+              <a:ext uri="{FF2B5EF4-FFF2-40B4-BE49-F238E27FC236}">
+                <a16:creationId xmlns:a16="http://schemas.microsoft.com/office/drawing/2014/main" id="{CF5F77F1-CB20-D625-A717-F85A929B2D46}"/>
+              </a:ext>
+            </a:extLst>
+          </p:cNvPr>
+          <p:cNvSpPr>
+            <a:spLocks noGrp="1"/>
+          </p:cNvSpPr>
+          <p:nvPr>
+            <p:ph type="title"/>
+          </p:nvPr>
+        </p:nvSpPr>
+        <p:spPr/>
+        <p:txBody>
+          <a:bodyPr/>
+          <a:lstStyle/>
+          <a:p>
+            <a:r>
+              <a:rPr kumimoji="1" lang="ja-JP" altLang="en-US" dirty="0"/>
+              <a:t>生成</a:t>
+            </a:r>
+            <a:r>
+              <a:rPr kumimoji="1" lang="en-US" altLang="ja-JP" dirty="0"/>
+              <a:t>AI</a:t>
+            </a:r>
+            <a:r>
+              <a:rPr kumimoji="1" lang="ja-JP" altLang="en-US" dirty="0"/>
+              <a:t>による</a:t>
+            </a:r>
+            <a:r>
+              <a:rPr kumimoji="1" lang="en-US" altLang="ja-JP" dirty="0"/>
+              <a:t>Hello World!</a:t>
+            </a:r>
+            <a:endParaRPr kumimoji="1" lang="ja-JP" altLang="en-US" dirty="0"/>
+          </a:p>
+        </p:txBody>
+      </p:sp>
+      <p:sp>
+        <p:nvSpPr>
+          <p:cNvPr id="4" name="コンテンツ プレースホルダー 3">
+            <a:extLst>
+              <a:ext uri="{FF2B5EF4-FFF2-40B4-BE49-F238E27FC236}">
+                <a16:creationId xmlns:a16="http://schemas.microsoft.com/office/drawing/2014/main" id="{3495BDB2-3396-04E6-2248-824338B079E6}"/>
+              </a:ext>
+            </a:extLst>
+          </p:cNvPr>
+          <p:cNvSpPr>
+            <a:spLocks noGrp="1"/>
+          </p:cNvSpPr>
+          <p:nvPr>
+            <p:ph idx="1"/>
+          </p:nvPr>
+        </p:nvSpPr>
+        <p:spPr/>
+        <p:txBody>
+          <a:bodyPr/>
+          <a:lstStyle/>
+          <a:p>
+            <a:r>
+              <a:rPr lang="ja-JP" altLang="en-US" dirty="0"/>
+              <a:t>テキストフィールドに</a:t>
+            </a:r>
+            <a:r>
+              <a:rPr lang="en-US" altLang="ja-JP" dirty="0"/>
+              <a:t>[Hello World]</a:t>
+            </a:r>
+            <a:r>
+              <a:rPr lang="ja-JP" altLang="en-US" dirty="0"/>
+              <a:t>と入れてみる</a:t>
+            </a:r>
+            <a:endParaRPr kumimoji="1" lang="ja-JP" altLang="en-US" dirty="0"/>
+          </a:p>
+        </p:txBody>
+      </p:sp>
+      <p:sp>
+        <p:nvSpPr>
+          <p:cNvPr id="5" name="日付プレースホルダー 4">
+            <a:extLst>
+              <a:ext uri="{FF2B5EF4-FFF2-40B4-BE49-F238E27FC236}">
+                <a16:creationId xmlns:a16="http://schemas.microsoft.com/office/drawing/2014/main" id="{5A82AB3D-AF9D-95DE-A97A-D4023CD527B1}"/>
+              </a:ext>
+            </a:extLst>
+          </p:cNvPr>
+          <p:cNvSpPr>
+            <a:spLocks noGrp="1"/>
+          </p:cNvSpPr>
+          <p:nvPr>
+            <p:ph type="dt" sz="half" idx="10"/>
+          </p:nvPr>
+        </p:nvSpPr>
+        <p:spPr/>
+        <p:txBody>
+          <a:bodyPr/>
+          <a:lstStyle/>
+          <a:p>
+            <a:r>
+              <a:rPr kumimoji="1" lang="en-US" altLang="ja-JP"/>
+              <a:t>Day1</a:t>
+            </a:r>
+            <a:endParaRPr kumimoji="1" lang="ja-JP" altLang="en-US"/>
+          </a:p>
+        </p:txBody>
+      </p:sp>
+      <p:sp>
+        <p:nvSpPr>
+          <p:cNvPr id="6" name="スライド番号プレースホルダー 5">
+            <a:extLst>
+              <a:ext uri="{FF2B5EF4-FFF2-40B4-BE49-F238E27FC236}">
+                <a16:creationId xmlns:a16="http://schemas.microsoft.com/office/drawing/2014/main" id="{7A24FD41-A84F-E3A1-13E1-8FC4796FDF77}"/>
+              </a:ext>
+            </a:extLst>
+          </p:cNvPr>
+          <p:cNvSpPr>
+            <a:spLocks noGrp="1"/>
+          </p:cNvSpPr>
+          <p:nvPr>
+            <p:ph type="sldNum" sz="quarter" idx="12"/>
+          </p:nvPr>
+        </p:nvSpPr>
+        <p:spPr/>
+        <p:txBody>
+          <a:bodyPr/>
+          <a:lstStyle/>
+          <a:p>
+            <a:fld id="{B4DA0251-0B3B-4C1C-96DC-5D2833458AB2}" type="slidenum">
+              <a:rPr kumimoji="1" lang="ja-JP" altLang="en-US" smtClean="0"/>
+              <a:t>13</a:t>
             </a:fld>
             <a:endParaRPr kumimoji="1" lang="ja-JP" altLang="en-US"/>
           </a:p>
@@ -6786,277 +7127,6 @@
 </p:sld>
 </file>
 
-<file path=ppt/slides/slide13.xml><?xml version="1.0" encoding="utf-8"?>
-<p:sld xmlns:a="http://schemas.openxmlformats.org/drawingml/2006/main" xmlns:r="http://schemas.openxmlformats.org/officeDocument/2006/relationships" xmlns:p="http://schemas.openxmlformats.org/presentationml/2006/main">
-  <p:cSld>
-    <p:spTree>
-      <p:nvGrpSpPr>
-        <p:cNvPr id="1" name=""/>
-        <p:cNvGrpSpPr/>
-        <p:nvPr/>
-      </p:nvGrpSpPr>
-      <p:grpSpPr>
-        <a:xfrm>
-          <a:off x="0" y="0"/>
-          <a:ext cx="0" cy="0"/>
-          <a:chOff x="0" y="0"/>
-          <a:chExt cx="0" cy="0"/>
-        </a:xfrm>
-      </p:grpSpPr>
-      <p:sp>
-        <p:nvSpPr>
-          <p:cNvPr id="2" name="フッター プレースホルダー 1">
-            <a:extLst>
-              <a:ext uri="{FF2B5EF4-FFF2-40B4-BE49-F238E27FC236}">
-                <a16:creationId xmlns:a16="http://schemas.microsoft.com/office/drawing/2014/main" id="{8FA5136E-D2E0-BB8B-0979-6780FDBE1314}"/>
-              </a:ext>
-            </a:extLst>
-          </p:cNvPr>
-          <p:cNvSpPr>
-            <a:spLocks noGrp="1"/>
-          </p:cNvSpPr>
-          <p:nvPr>
-            <p:ph type="ftr" sz="quarter" idx="11"/>
-          </p:nvPr>
-        </p:nvSpPr>
-        <p:spPr/>
-        <p:txBody>
-          <a:bodyPr/>
-          <a:lstStyle/>
-          <a:p>
-            <a:r>
-              <a:rPr kumimoji="1" lang="ja-JP" altLang="en-US"/>
-              <a:t>情報科学ｃ</a:t>
-            </a:r>
-            <a:endParaRPr kumimoji="1" lang="ja-JP" altLang="en-US" dirty="0"/>
-          </a:p>
-        </p:txBody>
-      </p:sp>
-      <p:sp>
-        <p:nvSpPr>
-          <p:cNvPr id="3" name="タイトル 2">
-            <a:extLst>
-              <a:ext uri="{FF2B5EF4-FFF2-40B4-BE49-F238E27FC236}">
-                <a16:creationId xmlns:a16="http://schemas.microsoft.com/office/drawing/2014/main" id="{BA5B5A4E-1222-4139-D749-959912530A0E}"/>
-              </a:ext>
-            </a:extLst>
-          </p:cNvPr>
-          <p:cNvSpPr>
-            <a:spLocks noGrp="1"/>
-          </p:cNvSpPr>
-          <p:nvPr>
-            <p:ph type="title"/>
-          </p:nvPr>
-        </p:nvSpPr>
-        <p:spPr/>
-        <p:txBody>
-          <a:bodyPr/>
-          <a:lstStyle/>
-          <a:p>
-            <a:r>
-              <a:rPr kumimoji="1" lang="ja-JP" altLang="en-US" dirty="0"/>
-              <a:t>生成</a:t>
-            </a:r>
-            <a:r>
-              <a:rPr kumimoji="1" lang="en-US" altLang="ja-JP" dirty="0"/>
-              <a:t>AI</a:t>
-            </a:r>
-            <a:r>
-              <a:rPr kumimoji="1" lang="ja-JP" altLang="en-US" dirty="0"/>
-              <a:t>との付き合い方</a:t>
-            </a:r>
-          </a:p>
-        </p:txBody>
-      </p:sp>
-      <p:sp>
-        <p:nvSpPr>
-          <p:cNvPr id="4" name="コンテンツ プレースホルダー 3">
-            <a:extLst>
-              <a:ext uri="{FF2B5EF4-FFF2-40B4-BE49-F238E27FC236}">
-                <a16:creationId xmlns:a16="http://schemas.microsoft.com/office/drawing/2014/main" id="{1FC1E164-CF88-41FB-729B-A6410503998C}"/>
-              </a:ext>
-            </a:extLst>
-          </p:cNvPr>
-          <p:cNvSpPr>
-            <a:spLocks noGrp="1"/>
-          </p:cNvSpPr>
-          <p:nvPr>
-            <p:ph idx="1"/>
-          </p:nvPr>
-        </p:nvSpPr>
-        <p:spPr/>
-        <p:txBody>
-          <a:bodyPr/>
-          <a:lstStyle/>
-          <a:p>
-            <a:r>
-              <a:rPr kumimoji="1" lang="ja-JP" altLang="en-US" dirty="0"/>
-              <a:t>ダメなマインドセット</a:t>
-            </a:r>
-          </a:p>
-          <a:p>
-            <a:pPr lvl="1"/>
-            <a:r>
-              <a:rPr kumimoji="1" lang="ja-JP" altLang="en-US" dirty="0"/>
-              <a:t>もうプログラミングなんて必要ない！生成</a:t>
-            </a:r>
-            <a:r>
-              <a:rPr kumimoji="1" lang="en-US" altLang="ja-JP" dirty="0"/>
-              <a:t>AI</a:t>
-            </a:r>
-            <a:r>
-              <a:rPr kumimoji="1" lang="ja-JP" altLang="en-US" dirty="0"/>
-              <a:t>が全部やってくれる。</a:t>
-            </a:r>
-          </a:p>
-          <a:p>
-            <a:endParaRPr lang="ja-JP" altLang="en-US" dirty="0"/>
-          </a:p>
-          <a:p>
-            <a:r>
-              <a:rPr kumimoji="1" lang="ja-JP" altLang="en-US" dirty="0"/>
-              <a:t>正しい付き合い方</a:t>
-            </a:r>
-          </a:p>
-          <a:p>
-            <a:pPr lvl="1"/>
-            <a:r>
-              <a:rPr lang="ja-JP" altLang="en-US" dirty="0"/>
-              <a:t>めんどくさい事は生成</a:t>
-            </a:r>
-            <a:r>
-              <a:rPr lang="en-US" altLang="ja-JP" dirty="0"/>
-              <a:t>AI</a:t>
-            </a:r>
-            <a:r>
-              <a:rPr lang="ja-JP" altLang="en-US" dirty="0"/>
-              <a:t>におまかせ</a:t>
-            </a:r>
-          </a:p>
-          <a:p>
-            <a:pPr lvl="1"/>
-            <a:r>
-              <a:rPr lang="ja-JP" altLang="en-US" dirty="0"/>
-              <a:t>クリエイティブな事だけやろう</a:t>
-            </a:r>
-          </a:p>
-          <a:p>
-            <a:pPr lvl="1"/>
-            <a:endParaRPr lang="ja-JP" altLang="en-US" dirty="0"/>
-          </a:p>
-          <a:p>
-            <a:r>
-              <a:rPr lang="ja-JP" altLang="en-US" dirty="0"/>
-              <a:t>この講義での付き合い方</a:t>
-            </a:r>
-          </a:p>
-          <a:p>
-            <a:pPr lvl="1"/>
-            <a:r>
-              <a:rPr lang="ja-JP" altLang="en-US" dirty="0"/>
-              <a:t>生成</a:t>
-            </a:r>
-            <a:r>
-              <a:rPr lang="en-US" altLang="ja-JP" dirty="0"/>
-              <a:t>AI</a:t>
-            </a:r>
-            <a:r>
-              <a:rPr lang="ja-JP" altLang="en-US" dirty="0"/>
-              <a:t>が書いたプログラムはかならず読解しよう</a:t>
-            </a:r>
-          </a:p>
-          <a:p>
-            <a:pPr lvl="2"/>
-            <a:r>
-              <a:rPr lang="ja-JP" altLang="en-US" dirty="0"/>
-              <a:t>これがものすごい勉強になる</a:t>
-            </a:r>
-          </a:p>
-        </p:txBody>
-      </p:sp>
-      <p:sp>
-        <p:nvSpPr>
-          <p:cNvPr id="5" name="日付プレースホルダー 4">
-            <a:extLst>
-              <a:ext uri="{FF2B5EF4-FFF2-40B4-BE49-F238E27FC236}">
-                <a16:creationId xmlns:a16="http://schemas.microsoft.com/office/drawing/2014/main" id="{459A5E22-CB18-37B5-1E6E-938071877363}"/>
-              </a:ext>
-            </a:extLst>
-          </p:cNvPr>
-          <p:cNvSpPr>
-            <a:spLocks noGrp="1"/>
-          </p:cNvSpPr>
-          <p:nvPr>
-            <p:ph type="dt" sz="half" idx="10"/>
-          </p:nvPr>
-        </p:nvSpPr>
-        <p:spPr/>
-        <p:txBody>
-          <a:bodyPr/>
-          <a:lstStyle/>
-          <a:p>
-            <a:r>
-              <a:rPr kumimoji="1" lang="en-US" altLang="ja-JP"/>
-              <a:t>Day1</a:t>
-            </a:r>
-            <a:endParaRPr kumimoji="1" lang="ja-JP" altLang="en-US"/>
-          </a:p>
-        </p:txBody>
-      </p:sp>
-      <p:sp>
-        <p:nvSpPr>
-          <p:cNvPr id="6" name="スライド番号プレースホルダー 5">
-            <a:extLst>
-              <a:ext uri="{FF2B5EF4-FFF2-40B4-BE49-F238E27FC236}">
-                <a16:creationId xmlns:a16="http://schemas.microsoft.com/office/drawing/2014/main" id="{74E86914-74BA-620C-A384-36D9CB0E2BCB}"/>
-              </a:ext>
-            </a:extLst>
-          </p:cNvPr>
-          <p:cNvSpPr>
-            <a:spLocks noGrp="1"/>
-          </p:cNvSpPr>
-          <p:nvPr>
-            <p:ph type="sldNum" sz="quarter" idx="12"/>
-          </p:nvPr>
-        </p:nvSpPr>
-        <p:spPr/>
-        <p:txBody>
-          <a:bodyPr/>
-          <a:lstStyle/>
-          <a:p>
-            <a:fld id="{B4DA0251-0B3B-4C1C-96DC-5D2833458AB2}" type="slidenum">
-              <a:rPr kumimoji="1" lang="ja-JP" altLang="en-US" smtClean="0"/>
-              <a:t>13</a:t>
-            </a:fld>
-            <a:endParaRPr kumimoji="1" lang="ja-JP" altLang="en-US"/>
-          </a:p>
-        </p:txBody>
-      </p:sp>
-    </p:spTree>
-    <p:extLst>
-      <p:ext uri="{BB962C8B-B14F-4D97-AF65-F5344CB8AC3E}">
-        <p14:creationId xmlns:p14="http://schemas.microsoft.com/office/powerpoint/2010/main" val="628213471"/>
-      </p:ext>
-    </p:extLst>
-  </p:cSld>
-  <p:clrMapOvr>
-    <a:masterClrMapping/>
-  </p:clrMapOvr>
-  <mc:AlternateContent xmlns:mc="http://schemas.openxmlformats.org/markup-compatibility/2006" xmlns:p14="http://schemas.microsoft.com/office/powerpoint/2010/main">
-    <mc:Choice Requires="p14">
-      <p:transition spd="med" p14:dur="700">
-        <p:fade/>
-      </p:transition>
-    </mc:Choice>
-    <mc:Fallback xmlns="">
-      <p:transition spd="med">
-        <p:fade/>
-      </p:transition>
-    </mc:Fallback>
-  </mc:AlternateContent>
-</p:sld>
-</file>
-
 <file path=ppt/slides/slide14.xml><?xml version="1.0" encoding="utf-8"?>
 <p:sld xmlns:a="http://schemas.openxmlformats.org/drawingml/2006/main" xmlns:r="http://schemas.openxmlformats.org/officeDocument/2006/relationships" xmlns:p="http://schemas.openxmlformats.org/presentationml/2006/main">
   <p:cSld>
@@ -7079,7 +7149,7 @@
           <p:cNvPr id="2" name="フッター プレースホルダー 1">
             <a:extLst>
               <a:ext uri="{FF2B5EF4-FFF2-40B4-BE49-F238E27FC236}">
-                <a16:creationId xmlns:a16="http://schemas.microsoft.com/office/drawing/2014/main" id="{022E5695-F9B8-788D-6EA4-3B8DE2C226A9}"/>
+                <a16:creationId xmlns:a16="http://schemas.microsoft.com/office/drawing/2014/main" id="{8FA5136E-D2E0-BB8B-0979-6780FDBE1314}"/>
               </a:ext>
             </a:extLst>
           </p:cNvPr>
@@ -7108,7 +7178,7 @@
           <p:cNvPr id="3" name="タイトル 2">
             <a:extLst>
               <a:ext uri="{FF2B5EF4-FFF2-40B4-BE49-F238E27FC236}">
-                <a16:creationId xmlns:a16="http://schemas.microsoft.com/office/drawing/2014/main" id="{8122EA0F-1861-F6CA-C11B-8D4A9D0A2C8A}"/>
+                <a16:creationId xmlns:a16="http://schemas.microsoft.com/office/drawing/2014/main" id="{BA5B5A4E-1222-4139-D749-959912530A0E}"/>
               </a:ext>
             </a:extLst>
           </p:cNvPr>
@@ -7125,27 +7195,16 @@
           <a:lstStyle/>
           <a:p>
             <a:r>
-              <a:rPr kumimoji="1" lang="en-US" altLang="ja-JP" sz="2800" dirty="0"/>
-              <a:t>[</a:t>
-            </a:r>
-            <a:r>
-              <a:rPr kumimoji="1" lang="en-US" altLang="ja-JP" sz="2800" dirty="0">
-                <a:solidFill>
-                  <a:schemeClr val="accent1"/>
-                </a:solidFill>
-              </a:rPr>
-              <a:t>01</a:t>
-            </a:r>
-            <a:r>
-              <a:rPr kumimoji="1" lang="en-US" altLang="ja-JP" sz="2800" dirty="0"/>
-              <a:t>-day01kk] </a:t>
-            </a:r>
-            <a:br>
               <a:rPr kumimoji="1" lang="ja-JP" altLang="en-US" dirty="0"/>
-            </a:br>
+              <a:t>生成</a:t>
+            </a:r>
+            <a:r>
+              <a:rPr kumimoji="1" lang="en-US" altLang="ja-JP" dirty="0"/>
+              <a:t>AI</a:t>
+            </a:r>
             <a:r>
               <a:rPr kumimoji="1" lang="ja-JP" altLang="en-US" dirty="0"/>
-              <a:t>ソートのプログラミング</a:t>
+              <a:t>との付き合い方</a:t>
             </a:r>
           </a:p>
         </p:txBody>
@@ -7155,7 +7214,7 @@
           <p:cNvPr id="4" name="コンテンツ プレースホルダー 3">
             <a:extLst>
               <a:ext uri="{FF2B5EF4-FFF2-40B4-BE49-F238E27FC236}">
-                <a16:creationId xmlns:a16="http://schemas.microsoft.com/office/drawing/2014/main" id="{047213F7-5290-786B-AF3A-ACB63D4CC3A5}"/>
+                <a16:creationId xmlns:a16="http://schemas.microsoft.com/office/drawing/2014/main" id="{1FC1E164-CF88-41FB-729B-A6410503998C}"/>
               </a:ext>
             </a:extLst>
           </p:cNvPr>
@@ -7168,73 +7227,95 @@
         </p:nvSpPr>
         <p:spPr/>
         <p:txBody>
-          <a:bodyPr>
-            <a:normAutofit/>
-          </a:bodyPr>
+          <a:bodyPr/>
           <a:lstStyle/>
           <a:p>
             <a:r>
               <a:rPr kumimoji="1" lang="ja-JP" altLang="en-US" dirty="0"/>
-              <a:t>お題</a:t>
+              <a:t>ダメなマインドセット</a:t>
             </a:r>
           </a:p>
           <a:p>
             <a:pPr lvl="1"/>
             <a:r>
               <a:rPr kumimoji="1" lang="ja-JP" altLang="en-US" dirty="0"/>
-              <a:t>ソートのプログラムを書いてみよう</a:t>
+              <a:t>もうプログラミングなんて必要ない！生成</a:t>
+            </a:r>
+            <a:r>
+              <a:rPr kumimoji="1" lang="en-US" altLang="ja-JP" dirty="0"/>
+              <a:t>AI</a:t>
+            </a:r>
+            <a:r>
+              <a:rPr kumimoji="1" lang="ja-JP" altLang="en-US" dirty="0"/>
+              <a:t>が全部やってくれる。</a:t>
+            </a:r>
+          </a:p>
+          <a:p>
+            <a:endParaRPr lang="ja-JP" altLang="en-US" dirty="0"/>
+          </a:p>
+          <a:p>
+            <a:r>
+              <a:rPr kumimoji="1" lang="ja-JP" altLang="en-US" dirty="0"/>
+              <a:t>正しい付き合い方</a:t>
             </a:r>
           </a:p>
           <a:p>
             <a:pPr lvl="1"/>
             <a:r>
               <a:rPr lang="ja-JP" altLang="en-US" dirty="0"/>
-              <a:t>色々なアルゴリズムがあるので何を選ぶ？</a:t>
+              <a:t>めんどくさい事は生成</a:t>
+            </a:r>
+            <a:r>
+              <a:rPr lang="en-US" altLang="ja-JP" dirty="0"/>
+              <a:t>AI</a:t>
+            </a:r>
+            <a:r>
+              <a:rPr lang="ja-JP" altLang="en-US" dirty="0"/>
+              <a:t>におまかせ</a:t>
             </a:r>
           </a:p>
           <a:p>
             <a:pPr lvl="1"/>
             <a:r>
-              <a:rPr kumimoji="1" lang="ja-JP" altLang="en-US" dirty="0"/>
-              <a:t>ソート途中の効果的な可視化等付加機能歓迎</a:t>
-            </a:r>
-          </a:p>
-          <a:p>
-            <a:r>
               <a:rPr lang="ja-JP" altLang="en-US" dirty="0"/>
-              <a:t>期限</a:t>
+              <a:t>クリエイティブな事だけやろう</a:t>
             </a:r>
           </a:p>
           <a:p>
             <a:pPr lvl="1"/>
-            <a:r>
-              <a:rPr kumimoji="1" lang="ja-JP" altLang="en-US" dirty="0"/>
-              <a:t>本日中</a:t>
-            </a:r>
+            <a:endParaRPr lang="ja-JP" altLang="en-US" dirty="0"/>
           </a:p>
           <a:p>
             <a:r>
               <a:rPr lang="ja-JP" altLang="en-US" dirty="0"/>
-              <a:t>発表：希望者のみ先着順で講義終了時刻まで</a:t>
+              <a:t>この講義での付き合い方</a:t>
             </a:r>
           </a:p>
           <a:p>
             <a:pPr lvl="1"/>
             <a:r>
               <a:rPr lang="ja-JP" altLang="en-US" dirty="0"/>
-              <a:t>前でノートを表示しながら簡単に説明をしてもらいます</a:t>
-            </a:r>
-          </a:p>
-          <a:p>
-            <a:pPr lvl="1"/>
+              <a:t>生成</a:t>
+            </a:r>
+            <a:r>
+              <a:rPr lang="en-US" altLang="ja-JP" dirty="0"/>
+              <a:t>AI</a:t>
+            </a:r>
             <a:r>
               <a:rPr lang="ja-JP" altLang="en-US" dirty="0"/>
-              <a:t>発表した人は記録して、成績の加点対象にします</a:t>
-            </a:r>
-          </a:p>
-          <a:p>
-            <a:pPr lvl="1"/>
-            <a:endParaRPr kumimoji="1" lang="ja-JP" altLang="en-US" dirty="0"/>
+              <a:t>が書いたプログラムはかならず</a:t>
+            </a:r>
+            <a:r>
+              <a:rPr lang="ja-JP" altLang="en-US" u="sng" dirty="0"/>
+              <a:t>読解しよう</a:t>
+            </a:r>
+          </a:p>
+          <a:p>
+            <a:pPr lvl="2"/>
+            <a:r>
+              <a:rPr lang="ja-JP" altLang="en-US" dirty="0"/>
+              <a:t>これがものすごい勉強になる</a:t>
+            </a:r>
           </a:p>
         </p:txBody>
       </p:sp>
@@ -7243,7 +7324,7 @@
           <p:cNvPr id="5" name="日付プレースホルダー 4">
             <a:extLst>
               <a:ext uri="{FF2B5EF4-FFF2-40B4-BE49-F238E27FC236}">
-                <a16:creationId xmlns:a16="http://schemas.microsoft.com/office/drawing/2014/main" id="{2BC4E791-BEA5-25F1-9A97-570A90C31192}"/>
+                <a16:creationId xmlns:a16="http://schemas.microsoft.com/office/drawing/2014/main" id="{459A5E22-CB18-37B5-1E6E-938071877363}"/>
               </a:ext>
             </a:extLst>
           </p:cNvPr>
@@ -7272,7 +7353,7 @@
           <p:cNvPr id="6" name="スライド番号プレースホルダー 5">
             <a:extLst>
               <a:ext uri="{FF2B5EF4-FFF2-40B4-BE49-F238E27FC236}">
-                <a16:creationId xmlns:a16="http://schemas.microsoft.com/office/drawing/2014/main" id="{B8CA832C-C62E-84FA-7F89-B9CF370CFF5D}"/>
+                <a16:creationId xmlns:a16="http://schemas.microsoft.com/office/drawing/2014/main" id="{74E86914-74BA-620C-A384-36D9CB0E2BCB}"/>
               </a:ext>
             </a:extLst>
           </p:cNvPr>
@@ -7299,7 +7380,7 @@
     </p:spTree>
     <p:extLst>
       <p:ext uri="{BB962C8B-B14F-4D97-AF65-F5344CB8AC3E}">
-        <p14:creationId xmlns:p14="http://schemas.microsoft.com/office/powerpoint/2010/main" val="316731907"/>
+        <p14:creationId xmlns:p14="http://schemas.microsoft.com/office/powerpoint/2010/main" val="628213471"/>
       </p:ext>
     </p:extLst>
   </p:cSld>
@@ -7340,10 +7421,39 @@
       </p:grpSpPr>
       <p:sp>
         <p:nvSpPr>
-          <p:cNvPr id="7" name="タイトル 6">
-            <a:extLst>
-              <a:ext uri="{FF2B5EF4-FFF2-40B4-BE49-F238E27FC236}">
-                <a16:creationId xmlns:a16="http://schemas.microsoft.com/office/drawing/2014/main" id="{1ACACB11-2637-2EAD-6375-C6567BDD86E0}"/>
+          <p:cNvPr id="2" name="フッター プレースホルダー 1">
+            <a:extLst>
+              <a:ext uri="{FF2B5EF4-FFF2-40B4-BE49-F238E27FC236}">
+                <a16:creationId xmlns:a16="http://schemas.microsoft.com/office/drawing/2014/main" id="{022E5695-F9B8-788D-6EA4-3B8DE2C226A9}"/>
+              </a:ext>
+            </a:extLst>
+          </p:cNvPr>
+          <p:cNvSpPr>
+            <a:spLocks noGrp="1"/>
+          </p:cNvSpPr>
+          <p:nvPr>
+            <p:ph type="ftr" sz="quarter" idx="11"/>
+          </p:nvPr>
+        </p:nvSpPr>
+        <p:spPr/>
+        <p:txBody>
+          <a:bodyPr/>
+          <a:lstStyle/>
+          <a:p>
+            <a:r>
+              <a:rPr kumimoji="1" lang="ja-JP" altLang="en-US"/>
+              <a:t>情報科学ｃ</a:t>
+            </a:r>
+            <a:endParaRPr kumimoji="1" lang="ja-JP" altLang="en-US" dirty="0"/>
+          </a:p>
+        </p:txBody>
+      </p:sp>
+      <p:sp>
+        <p:nvSpPr>
+          <p:cNvPr id="3" name="タイトル 2">
+            <a:extLst>
+              <a:ext uri="{FF2B5EF4-FFF2-40B4-BE49-F238E27FC236}">
+                <a16:creationId xmlns:a16="http://schemas.microsoft.com/office/drawing/2014/main" id="{8122EA0F-1861-F6CA-C11B-8D4A9D0A2C8A}"/>
               </a:ext>
             </a:extLst>
           </p:cNvPr>
@@ -7360,39 +7470,116 @@
           <a:lstStyle/>
           <a:p>
             <a:r>
-              <a:rPr lang="en-US" altLang="ja-JP" dirty="0"/>
-              <a:t>Homework</a:t>
-            </a:r>
-            <a:endParaRPr lang="ja-JP" altLang="en-US" dirty="0"/>
-          </a:p>
-        </p:txBody>
-      </p:sp>
-      <p:sp>
-        <p:nvSpPr>
-          <p:cNvPr id="8" name="テキスト プレースホルダー 7">
-            <a:extLst>
-              <a:ext uri="{FF2B5EF4-FFF2-40B4-BE49-F238E27FC236}">
-                <a16:creationId xmlns:a16="http://schemas.microsoft.com/office/drawing/2014/main" id="{DB7A490D-E625-8DBF-66AE-B1B7095A6E12}"/>
-              </a:ext>
-            </a:extLst>
-          </p:cNvPr>
-          <p:cNvSpPr>
-            <a:spLocks noGrp="1"/>
-          </p:cNvSpPr>
-          <p:nvPr>
-            <p:ph type="body" idx="1"/>
+              <a:rPr kumimoji="1" lang="en-US" altLang="ja-JP" sz="2800" dirty="0"/>
+              <a:t>[</a:t>
+            </a:r>
+            <a:r>
+              <a:rPr kumimoji="1" lang="en-US" altLang="ja-JP" sz="2800" dirty="0">
+                <a:solidFill>
+                  <a:schemeClr val="accent1"/>
+                </a:solidFill>
+              </a:rPr>
+              <a:t>01</a:t>
+            </a:r>
+            <a:r>
+              <a:rPr kumimoji="1" lang="en-US" altLang="ja-JP" sz="2800" dirty="0"/>
+              <a:t>-day01kk] </a:t>
+            </a:r>
+            <a:br>
+              <a:rPr kumimoji="1" lang="ja-JP" altLang="en-US" dirty="0"/>
+            </a:br>
+            <a:r>
+              <a:rPr kumimoji="1" lang="ja-JP" altLang="en-US" dirty="0"/>
+              <a:t>ソートのプログラミング</a:t>
+            </a:r>
+          </a:p>
+        </p:txBody>
+      </p:sp>
+      <p:sp>
+        <p:nvSpPr>
+          <p:cNvPr id="4" name="コンテンツ プレースホルダー 3">
+            <a:extLst>
+              <a:ext uri="{FF2B5EF4-FFF2-40B4-BE49-F238E27FC236}">
+                <a16:creationId xmlns:a16="http://schemas.microsoft.com/office/drawing/2014/main" id="{047213F7-5290-786B-AF3A-ACB63D4CC3A5}"/>
+              </a:ext>
+            </a:extLst>
+          </p:cNvPr>
+          <p:cNvSpPr>
+            <a:spLocks noGrp="1"/>
+          </p:cNvSpPr>
+          <p:nvPr>
+            <p:ph idx="1"/>
           </p:nvPr>
         </p:nvSpPr>
         <p:spPr/>
         <p:txBody>
-          <a:bodyPr/>
-          <a:lstStyle/>
-          <a:p>
-            <a:r>
-              <a:rPr lang="en-US" altLang="ja-JP" dirty="0"/>
-              <a:t>Day01</a:t>
-            </a:r>
-            <a:endParaRPr lang="ja-JP" altLang="en-US" dirty="0"/>
+          <a:bodyPr>
+            <a:normAutofit/>
+          </a:bodyPr>
+          <a:lstStyle/>
+          <a:p>
+            <a:r>
+              <a:rPr kumimoji="1" lang="ja-JP" altLang="en-US" dirty="0"/>
+              <a:t>お題</a:t>
+            </a:r>
+          </a:p>
+          <a:p>
+            <a:pPr lvl="1"/>
+            <a:r>
+              <a:rPr kumimoji="1" lang="ja-JP" altLang="en-US" dirty="0"/>
+              <a:t>ソートのプログラムを書いてみよう</a:t>
+            </a:r>
+          </a:p>
+          <a:p>
+            <a:pPr lvl="1"/>
+            <a:r>
+              <a:rPr lang="ja-JP" altLang="en-US" dirty="0"/>
+              <a:t>色々なアルゴリズムがあるので何を選ぶ？</a:t>
+            </a:r>
+          </a:p>
+          <a:p>
+            <a:pPr lvl="1"/>
+            <a:r>
+              <a:rPr kumimoji="1" lang="ja-JP" altLang="en-US" dirty="0"/>
+              <a:t>ソート途中の効果的な可視化等付加機能歓迎</a:t>
+            </a:r>
+          </a:p>
+          <a:p>
+            <a:r>
+              <a:rPr lang="ja-JP" altLang="en-US" dirty="0"/>
+              <a:t>期限</a:t>
+            </a:r>
+          </a:p>
+          <a:p>
+            <a:pPr lvl="1"/>
+            <a:r>
+              <a:rPr kumimoji="1" lang="ja-JP" altLang="en-US" dirty="0"/>
+              <a:t>本日中</a:t>
+            </a:r>
+          </a:p>
+          <a:p>
+            <a:r>
+              <a:rPr lang="ja-JP" altLang="en-US" dirty="0"/>
+              <a:t>発表：希望者のみ先着順で講義終了時刻まで</a:t>
+            </a:r>
+          </a:p>
+          <a:p>
+            <a:pPr lvl="1"/>
+            <a:r>
+              <a:rPr lang="ja-JP" altLang="en-US" dirty="0"/>
+              <a:t>前でノートを表示しながら簡単に説明をしてもらいます</a:t>
+            </a:r>
+          </a:p>
+          <a:p>
+            <a:pPr lvl="1"/>
+            <a:r>
+              <a:rPr lang="ja-JP" altLang="en-US" dirty="0"/>
+              <a:t>発表した人は記録して、成績の加点対象にします</a:t>
+            </a:r>
+          </a:p>
+          <a:p>
+            <a:pPr lvl="1"/>
+            <a:endParaRPr kumimoji="1" lang="ja-JP" altLang="en-US" dirty="0"/>
           </a:p>
         </p:txBody>
       </p:sp>
@@ -7401,7 +7588,7 @@
           <p:cNvPr id="5" name="日付プレースホルダー 4">
             <a:extLst>
               <a:ext uri="{FF2B5EF4-FFF2-40B4-BE49-F238E27FC236}">
-                <a16:creationId xmlns:a16="http://schemas.microsoft.com/office/drawing/2014/main" id="{1958D229-46FC-433B-FA5B-4B8ACC13FBEC}"/>
+                <a16:creationId xmlns:a16="http://schemas.microsoft.com/office/drawing/2014/main" id="{2BC4E791-BEA5-25F1-9A97-570A90C31192}"/>
               </a:ext>
             </a:extLst>
           </p:cNvPr>
@@ -7427,39 +7614,10 @@
       </p:sp>
       <p:sp>
         <p:nvSpPr>
-          <p:cNvPr id="2" name="フッター プレースホルダー 1">
-            <a:extLst>
-              <a:ext uri="{FF2B5EF4-FFF2-40B4-BE49-F238E27FC236}">
-                <a16:creationId xmlns:a16="http://schemas.microsoft.com/office/drawing/2014/main" id="{60993854-A861-7ED5-26C4-60455F5A6DDC}"/>
-              </a:ext>
-            </a:extLst>
-          </p:cNvPr>
-          <p:cNvSpPr>
-            <a:spLocks noGrp="1"/>
-          </p:cNvSpPr>
-          <p:nvPr>
-            <p:ph type="ftr" sz="quarter" idx="11"/>
-          </p:nvPr>
-        </p:nvSpPr>
-        <p:spPr/>
-        <p:txBody>
-          <a:bodyPr/>
-          <a:lstStyle/>
-          <a:p>
-            <a:r>
-              <a:rPr kumimoji="1" lang="ja-JP" altLang="en-US"/>
-              <a:t>情報科学ｃ</a:t>
-            </a:r>
-            <a:endParaRPr kumimoji="1" lang="ja-JP" altLang="en-US" dirty="0"/>
-          </a:p>
-        </p:txBody>
-      </p:sp>
-      <p:sp>
-        <p:nvSpPr>
           <p:cNvPr id="6" name="スライド番号プレースホルダー 5">
             <a:extLst>
               <a:ext uri="{FF2B5EF4-FFF2-40B4-BE49-F238E27FC236}">
-                <a16:creationId xmlns:a16="http://schemas.microsoft.com/office/drawing/2014/main" id="{9B968422-74D5-EB25-AB13-5C87B4FE4F4A}"/>
+                <a16:creationId xmlns:a16="http://schemas.microsoft.com/office/drawing/2014/main" id="{B8CA832C-C62E-84FA-7F89-B9CF370CFF5D}"/>
               </a:ext>
             </a:extLst>
           </p:cNvPr>
@@ -7486,7 +7644,7 @@
     </p:spTree>
     <p:extLst>
       <p:ext uri="{BB962C8B-B14F-4D97-AF65-F5344CB8AC3E}">
-        <p14:creationId xmlns:p14="http://schemas.microsoft.com/office/powerpoint/2010/main" val="902635202"/>
+        <p14:creationId xmlns:p14="http://schemas.microsoft.com/office/powerpoint/2010/main" val="316731907"/>
       </p:ext>
     </p:extLst>
   </p:cSld>
@@ -7513,6 +7671,193 @@
   <p:cSld>
     <p:spTree>
       <p:nvGrpSpPr>
+        <p:cNvPr id="1" name=""/>
+        <p:cNvGrpSpPr/>
+        <p:nvPr/>
+      </p:nvGrpSpPr>
+      <p:grpSpPr>
+        <a:xfrm>
+          <a:off x="0" y="0"/>
+          <a:ext cx="0" cy="0"/>
+          <a:chOff x="0" y="0"/>
+          <a:chExt cx="0" cy="0"/>
+        </a:xfrm>
+      </p:grpSpPr>
+      <p:sp>
+        <p:nvSpPr>
+          <p:cNvPr id="7" name="タイトル 6">
+            <a:extLst>
+              <a:ext uri="{FF2B5EF4-FFF2-40B4-BE49-F238E27FC236}">
+                <a16:creationId xmlns:a16="http://schemas.microsoft.com/office/drawing/2014/main" id="{1ACACB11-2637-2EAD-6375-C6567BDD86E0}"/>
+              </a:ext>
+            </a:extLst>
+          </p:cNvPr>
+          <p:cNvSpPr>
+            <a:spLocks noGrp="1"/>
+          </p:cNvSpPr>
+          <p:nvPr>
+            <p:ph type="title"/>
+          </p:nvPr>
+        </p:nvSpPr>
+        <p:spPr/>
+        <p:txBody>
+          <a:bodyPr/>
+          <a:lstStyle/>
+          <a:p>
+            <a:r>
+              <a:rPr lang="en-US" altLang="ja-JP" dirty="0"/>
+              <a:t>Homework</a:t>
+            </a:r>
+            <a:endParaRPr lang="ja-JP" altLang="en-US" dirty="0"/>
+          </a:p>
+        </p:txBody>
+      </p:sp>
+      <p:sp>
+        <p:nvSpPr>
+          <p:cNvPr id="8" name="テキスト プレースホルダー 7">
+            <a:extLst>
+              <a:ext uri="{FF2B5EF4-FFF2-40B4-BE49-F238E27FC236}">
+                <a16:creationId xmlns:a16="http://schemas.microsoft.com/office/drawing/2014/main" id="{DB7A490D-E625-8DBF-66AE-B1B7095A6E12}"/>
+              </a:ext>
+            </a:extLst>
+          </p:cNvPr>
+          <p:cNvSpPr>
+            <a:spLocks noGrp="1"/>
+          </p:cNvSpPr>
+          <p:nvPr>
+            <p:ph type="body" idx="1"/>
+          </p:nvPr>
+        </p:nvSpPr>
+        <p:spPr/>
+        <p:txBody>
+          <a:bodyPr/>
+          <a:lstStyle/>
+          <a:p>
+            <a:r>
+              <a:rPr lang="en-US" altLang="ja-JP" dirty="0"/>
+              <a:t>Day01</a:t>
+            </a:r>
+            <a:endParaRPr lang="ja-JP" altLang="en-US" dirty="0"/>
+          </a:p>
+        </p:txBody>
+      </p:sp>
+      <p:sp>
+        <p:nvSpPr>
+          <p:cNvPr id="5" name="日付プレースホルダー 4">
+            <a:extLst>
+              <a:ext uri="{FF2B5EF4-FFF2-40B4-BE49-F238E27FC236}">
+                <a16:creationId xmlns:a16="http://schemas.microsoft.com/office/drawing/2014/main" id="{1958D229-46FC-433B-FA5B-4B8ACC13FBEC}"/>
+              </a:ext>
+            </a:extLst>
+          </p:cNvPr>
+          <p:cNvSpPr>
+            <a:spLocks noGrp="1"/>
+          </p:cNvSpPr>
+          <p:nvPr>
+            <p:ph type="dt" sz="half" idx="10"/>
+          </p:nvPr>
+        </p:nvSpPr>
+        <p:spPr/>
+        <p:txBody>
+          <a:bodyPr/>
+          <a:lstStyle/>
+          <a:p>
+            <a:r>
+              <a:rPr kumimoji="1" lang="en-US" altLang="ja-JP"/>
+              <a:t>Day1</a:t>
+            </a:r>
+            <a:endParaRPr kumimoji="1" lang="ja-JP" altLang="en-US"/>
+          </a:p>
+        </p:txBody>
+      </p:sp>
+      <p:sp>
+        <p:nvSpPr>
+          <p:cNvPr id="2" name="フッター プレースホルダー 1">
+            <a:extLst>
+              <a:ext uri="{FF2B5EF4-FFF2-40B4-BE49-F238E27FC236}">
+                <a16:creationId xmlns:a16="http://schemas.microsoft.com/office/drawing/2014/main" id="{60993854-A861-7ED5-26C4-60455F5A6DDC}"/>
+              </a:ext>
+            </a:extLst>
+          </p:cNvPr>
+          <p:cNvSpPr>
+            <a:spLocks noGrp="1"/>
+          </p:cNvSpPr>
+          <p:nvPr>
+            <p:ph type="ftr" sz="quarter" idx="11"/>
+          </p:nvPr>
+        </p:nvSpPr>
+        <p:spPr/>
+        <p:txBody>
+          <a:bodyPr/>
+          <a:lstStyle/>
+          <a:p>
+            <a:r>
+              <a:rPr kumimoji="1" lang="ja-JP" altLang="en-US"/>
+              <a:t>情報科学ｃ</a:t>
+            </a:r>
+            <a:endParaRPr kumimoji="1" lang="ja-JP" altLang="en-US" dirty="0"/>
+          </a:p>
+        </p:txBody>
+      </p:sp>
+      <p:sp>
+        <p:nvSpPr>
+          <p:cNvPr id="6" name="スライド番号プレースホルダー 5">
+            <a:extLst>
+              <a:ext uri="{FF2B5EF4-FFF2-40B4-BE49-F238E27FC236}">
+                <a16:creationId xmlns:a16="http://schemas.microsoft.com/office/drawing/2014/main" id="{9B968422-74D5-EB25-AB13-5C87B4FE4F4A}"/>
+              </a:ext>
+            </a:extLst>
+          </p:cNvPr>
+          <p:cNvSpPr>
+            <a:spLocks noGrp="1"/>
+          </p:cNvSpPr>
+          <p:nvPr>
+            <p:ph type="sldNum" sz="quarter" idx="12"/>
+          </p:nvPr>
+        </p:nvSpPr>
+        <p:spPr/>
+        <p:txBody>
+          <a:bodyPr/>
+          <a:lstStyle/>
+          <a:p>
+            <a:fld id="{B4DA0251-0B3B-4C1C-96DC-5D2833458AB2}" type="slidenum">
+              <a:rPr kumimoji="1" lang="ja-JP" altLang="en-US" smtClean="0"/>
+              <a:t>16</a:t>
+            </a:fld>
+            <a:endParaRPr kumimoji="1" lang="ja-JP" altLang="en-US"/>
+          </a:p>
+        </p:txBody>
+      </p:sp>
+    </p:spTree>
+    <p:extLst>
+      <p:ext uri="{BB962C8B-B14F-4D97-AF65-F5344CB8AC3E}">
+        <p14:creationId xmlns:p14="http://schemas.microsoft.com/office/powerpoint/2010/main" val="902635202"/>
+      </p:ext>
+    </p:extLst>
+  </p:cSld>
+  <p:clrMapOvr>
+    <a:masterClrMapping/>
+  </p:clrMapOvr>
+  <mc:AlternateContent xmlns:mc="http://schemas.openxmlformats.org/markup-compatibility/2006" xmlns:p14="http://schemas.microsoft.com/office/powerpoint/2010/main">
+    <mc:Choice Requires="p14">
+      <p:transition spd="med" p14:dur="700">
+        <p:fade/>
+      </p:transition>
+    </mc:Choice>
+    <mc:Fallback xmlns="">
+      <p:transition spd="med">
+        <p:fade/>
+      </p:transition>
+    </mc:Fallback>
+  </mc:AlternateContent>
+</p:sld>
+</file>
+
+<file path=ppt/slides/slide17.xml><?xml version="1.0" encoding="utf-8"?>
+<p:sld xmlns:a="http://schemas.openxmlformats.org/drawingml/2006/main" xmlns:r="http://schemas.openxmlformats.org/officeDocument/2006/relationships" xmlns:p="http://schemas.openxmlformats.org/presentationml/2006/main">
+  <p:cSld>
+    <p:spTree>
+      <p:nvGrpSpPr>
         <p:cNvPr id="1" name="">
           <a:extLst>
             <a:ext uri="{FF2B5EF4-FFF2-40B4-BE49-F238E27FC236}">
@@ -7621,8 +7966,8 @@
           <a:lstStyle/>
           <a:p>
             <a:r>
-              <a:rPr lang="ja-JP" altLang="en-US" dirty="0"/>
-              <a:t>読み物</a:t>
+              <a:rPr kumimoji="1" lang="ja-JP" altLang="en-US" sz="2800" dirty="0"/>
+              <a:t>予習テキストを読む</a:t>
             </a:r>
             <a:endParaRPr kumimoji="1" lang="en-US" altLang="ja-JP" sz="2800" dirty="0"/>
           </a:p>
@@ -7637,12 +7982,19 @@
                 <a:solidFill>
                   <a:schemeClr val="accent1"/>
                 </a:solidFill>
+                <a:latin typeface="+mj-lt"/>
               </a:rPr>
               <a:t>02</a:t>
             </a:r>
             <a:r>
+              <a:rPr kumimoji="1" lang="en-US" altLang="ja-JP" dirty="0">
+                <a:latin typeface="+mj-lt"/>
+              </a:rPr>
+              <a:t>-day01tb</a:t>
+            </a:r>
+            <a:r>
               <a:rPr kumimoji="1" lang="en-US" altLang="ja-JP" dirty="0"/>
-              <a:t>-day01tb]</a:t>
+              <a:t>]</a:t>
             </a:r>
             <a:r>
               <a:rPr kumimoji="1" lang="ja-JP" altLang="en-US" dirty="0"/>
@@ -7661,12 +8013,19 @@
                 <a:solidFill>
                   <a:schemeClr val="accent1"/>
                 </a:solidFill>
+                <a:latin typeface="+mj-lt"/>
               </a:rPr>
               <a:t>03</a:t>
             </a:r>
             <a:r>
+              <a:rPr kumimoji="1" lang="en-US" altLang="ja-JP" dirty="0">
+                <a:latin typeface="+mj-lt"/>
+              </a:rPr>
+              <a:t>-day01tb</a:t>
+            </a:r>
+            <a:r>
               <a:rPr kumimoji="1" lang="en-US" altLang="ja-JP" dirty="0"/>
-              <a:t>-day01tb]</a:t>
+              <a:t>]</a:t>
             </a:r>
             <a:r>
               <a:rPr kumimoji="1" lang="ja-JP" altLang="en-US" dirty="0"/>
@@ -7676,7 +8035,7 @@
           <a:p>
             <a:r>
               <a:rPr kumimoji="1" lang="ja-JP" altLang="en-US" sz="2800" dirty="0"/>
-              <a:t>知識確認問題</a:t>
+              <a:t>知識確認問題を解く</a:t>
             </a:r>
             <a:endParaRPr kumimoji="1" lang="en-US" altLang="ja-JP" sz="2800" dirty="0"/>
           </a:p>
@@ -7691,24 +8050,49 @@
                 <a:solidFill>
                   <a:schemeClr val="accent1"/>
                 </a:solidFill>
+                <a:latin typeface="+mj-lt"/>
               </a:rPr>
               <a:t>04</a:t>
             </a:r>
             <a:r>
+              <a:rPr kumimoji="1" lang="en-US" altLang="ja-JP" dirty="0">
+                <a:latin typeface="+mj-lt"/>
+              </a:rPr>
+              <a:t>-day01hw</a:t>
+            </a:r>
+            <a:r>
               <a:rPr kumimoji="1" lang="en-US" altLang="ja-JP" dirty="0"/>
-              <a:t>-day01hw]</a:t>
+              <a:t>]</a:t>
             </a:r>
             <a:r>
               <a:rPr kumimoji="1" lang="ja-JP" altLang="en-US" dirty="0"/>
               <a:t>　本日の宿題</a:t>
             </a:r>
+            <a:r>
+              <a:rPr lang="en-US" altLang="ja-JP" dirty="0"/>
+              <a:t>(</a:t>
+            </a:r>
+            <a:r>
+              <a:rPr lang="ja-JP" altLang="en-US" dirty="0"/>
+              <a:t>予習テキストの確認問題</a:t>
+            </a:r>
+            <a:r>
+              <a:rPr lang="en-US" altLang="ja-JP" dirty="0"/>
+              <a:t>)</a:t>
+            </a:r>
+            <a:endParaRPr kumimoji="1" lang="ja-JP" altLang="en-US" dirty="0"/>
           </a:p>
           <a:p>
             <a:pPr lvl="1"/>
             <a:r>
               <a:rPr lang="ja-JP" altLang="en-US" dirty="0"/>
-              <a:t>期限：次回授業開始前</a:t>
-            </a:r>
+              <a:t>期限：火曜日</a:t>
+            </a:r>
+            <a:r>
+              <a:rPr lang="en-US" altLang="ja-JP" dirty="0"/>
+              <a:t>23:59</a:t>
+            </a:r>
+            <a:endParaRPr lang="ja-JP" altLang="en-US" dirty="0"/>
           </a:p>
           <a:p>
             <a:pPr lvl="1"/>
@@ -7735,7 +8119,7 @@
           <a:p>
             <a:r>
               <a:rPr kumimoji="1" lang="ja-JP" altLang="en-US" dirty="0"/>
-              <a:t>提出も</a:t>
+              <a:t>宿題の提出も</a:t>
             </a:r>
             <a:r>
               <a:rPr kumimoji="1" lang="en-US" altLang="ja-JP" dirty="0"/>
@@ -7804,7 +8188,7 @@
           <a:p>
             <a:fld id="{B4DA0251-0B3B-4C1C-96DC-5D2833458AB2}" type="slidenum">
               <a:rPr kumimoji="1" lang="ja-JP" altLang="en-US" smtClean="0"/>
-              <a:t>16</a:t>
+              <a:t>17</a:t>
             </a:fld>
             <a:endParaRPr kumimoji="1" lang="ja-JP" altLang="en-US"/>
           </a:p>
@@ -8121,6 +8505,9 @@
           <a:p>
             <a:r>
               <a:rPr kumimoji="1" lang="ja-JP" altLang="en-US" dirty="0">
+                <a:solidFill>
+                  <a:schemeClr val="accent1"/>
+                </a:solidFill>
                 <a:latin typeface="+mj-ea"/>
                 <a:ea typeface="+mj-ea"/>
               </a:rPr>
@@ -8388,7 +8775,7 @@
         <p:spPr/>
         <p:txBody>
           <a:bodyPr>
-            <a:normAutofit lnSpcReduction="10000"/>
+            <a:normAutofit fontScale="92500" lnSpcReduction="10000"/>
           </a:bodyPr>
           <a:lstStyle/>
           <a:p>
@@ -8477,39 +8864,52 @@
           <a:p>
             <a:r>
               <a:rPr lang="ja-JP" altLang="en-US" dirty="0"/>
-              <a:t>講義の進め方</a:t>
+              <a:t>講義の進め方　～反転授業形式～</a:t>
             </a:r>
           </a:p>
           <a:p>
             <a:pPr lvl="1"/>
             <a:r>
               <a:rPr lang="ja-JP" altLang="en-US" dirty="0"/>
-              <a:t>宿題として</a:t>
+              <a:t>宿題として文法解説</a:t>
             </a:r>
             <a:r>
               <a:rPr lang="en-US" altLang="ja-JP" dirty="0"/>
-              <a:t>『</a:t>
+              <a:t>(</a:t>
             </a:r>
             <a:r>
               <a:rPr lang="ja-JP" altLang="en-US" dirty="0"/>
-              <a:t>読み物系</a:t>
+              <a:t>予習テキスト</a:t>
             </a:r>
             <a:r>
               <a:rPr lang="en-US" altLang="ja-JP" dirty="0"/>
-              <a:t>』</a:t>
+              <a:t>)</a:t>
             </a:r>
             <a:r>
               <a:rPr lang="ja-JP" altLang="en-US" dirty="0"/>
-              <a:t>の文法解説と小課題を出します</a:t>
+              <a:t>その理解を確かめる宿題を出します</a:t>
             </a:r>
             <a:endParaRPr lang="en-US" altLang="ja-JP" dirty="0"/>
           </a:p>
           <a:p>
-            <a:pPr lvl="1"/>
+            <a:pPr lvl="2"/>
             <a:r>
               <a:rPr lang="ja-JP" altLang="en-US" dirty="0"/>
-              <a:t>次回講義冒頭で必要に応じて解説します</a:t>
-            </a:r>
+              <a:t>宿題はテキストを見ればわかる簡単なもの </a:t>
+            </a:r>
+            <a:r>
+              <a:rPr lang="en-US" altLang="ja-JP" dirty="0"/>
+              <a:t>(</a:t>
+            </a:r>
+            <a:r>
+              <a:rPr lang="ja-JP" altLang="en-US" dirty="0"/>
+              <a:t>次回講義冒頭で必要に応じて解説</a:t>
+            </a:r>
+            <a:r>
+              <a:rPr lang="en-US" altLang="ja-JP" dirty="0"/>
+              <a:t>)</a:t>
+            </a:r>
+            <a:endParaRPr lang="ja-JP" altLang="en-US" dirty="0"/>
           </a:p>
           <a:p>
             <a:pPr lvl="1"/>
@@ -8522,7 +8922,7 @@
             <a:pPr lvl="2"/>
             <a:r>
               <a:rPr lang="ja-JP" altLang="en-US" dirty="0"/>
-              <a:t>回りと相談しながら進めて</a:t>
+              <a:t>まわりの人と相談しながら進めて</a:t>
             </a:r>
             <a:r>
               <a:rPr lang="en-US" altLang="ja-JP" dirty="0"/>
@@ -8640,6 +9040,358 @@
           <p:cNvPr id="2" name="フッター プレースホルダー 1">
             <a:extLst>
               <a:ext uri="{FF2B5EF4-FFF2-40B4-BE49-F238E27FC236}">
+                <a16:creationId xmlns:a16="http://schemas.microsoft.com/office/drawing/2014/main" id="{35ABD0D5-5936-A010-4F00-04E7C847F997}"/>
+              </a:ext>
+            </a:extLst>
+          </p:cNvPr>
+          <p:cNvSpPr>
+            <a:spLocks noGrp="1"/>
+          </p:cNvSpPr>
+          <p:nvPr>
+            <p:ph type="ftr" sz="quarter" idx="11"/>
+          </p:nvPr>
+        </p:nvSpPr>
+        <p:spPr/>
+        <p:txBody>
+          <a:bodyPr/>
+          <a:lstStyle/>
+          <a:p>
+            <a:r>
+              <a:rPr kumimoji="1" lang="ja-JP" altLang="en-US"/>
+              <a:t>情報科学ｃ</a:t>
+            </a:r>
+            <a:endParaRPr kumimoji="1" lang="ja-JP" altLang="en-US" dirty="0"/>
+          </a:p>
+        </p:txBody>
+      </p:sp>
+      <p:sp>
+        <p:nvSpPr>
+          <p:cNvPr id="3" name="タイトル 2">
+            <a:extLst>
+              <a:ext uri="{FF2B5EF4-FFF2-40B4-BE49-F238E27FC236}">
+                <a16:creationId xmlns:a16="http://schemas.microsoft.com/office/drawing/2014/main" id="{97A515AA-9191-AAB6-12AD-C4A96735398C}"/>
+              </a:ext>
+            </a:extLst>
+          </p:cNvPr>
+          <p:cNvSpPr>
+            <a:spLocks noGrp="1"/>
+          </p:cNvSpPr>
+          <p:nvPr>
+            <p:ph type="title"/>
+          </p:nvPr>
+        </p:nvSpPr>
+        <p:spPr/>
+        <p:txBody>
+          <a:bodyPr/>
+          <a:lstStyle/>
+          <a:p>
+            <a:r>
+              <a:rPr lang="ja-JP" altLang="en-US" dirty="0"/>
+              <a:t>本講義のレベル感と評価について</a:t>
+            </a:r>
+            <a:endParaRPr kumimoji="1" lang="ja-JP" altLang="en-US" dirty="0"/>
+          </a:p>
+        </p:txBody>
+      </p:sp>
+      <p:sp>
+        <p:nvSpPr>
+          <p:cNvPr id="4" name="コンテンツ プレースホルダー 3">
+            <a:extLst>
+              <a:ext uri="{FF2B5EF4-FFF2-40B4-BE49-F238E27FC236}">
+                <a16:creationId xmlns:a16="http://schemas.microsoft.com/office/drawing/2014/main" id="{F0862C41-CBC7-9DB6-5F4D-75D7E1EFEFFE}"/>
+              </a:ext>
+            </a:extLst>
+          </p:cNvPr>
+          <p:cNvSpPr>
+            <a:spLocks noGrp="1"/>
+          </p:cNvSpPr>
+          <p:nvPr>
+            <p:ph idx="1"/>
+          </p:nvPr>
+        </p:nvSpPr>
+        <p:spPr/>
+        <p:txBody>
+          <a:bodyPr>
+            <a:normAutofit fontScale="92500" lnSpcReduction="10000"/>
+          </a:bodyPr>
+          <a:lstStyle/>
+          <a:p>
+            <a:r>
+              <a:rPr kumimoji="1" lang="ja-JP" altLang="en-US" dirty="0"/>
+              <a:t>レベル感について</a:t>
+            </a:r>
+          </a:p>
+          <a:p>
+            <a:pPr lvl="1"/>
+            <a:r>
+              <a:rPr lang="ja-JP" altLang="en-US" dirty="0"/>
+              <a:t>予習テキストはかなり細かい</a:t>
+            </a:r>
+            <a:r>
+              <a:rPr lang="en-US" altLang="ja-JP" dirty="0"/>
+              <a:t>(</a:t>
+            </a:r>
+            <a:r>
+              <a:rPr lang="ja-JP" altLang="en-US" dirty="0"/>
+              <a:t>高度な</a:t>
+            </a:r>
+            <a:r>
+              <a:rPr lang="en-US" altLang="ja-JP" dirty="0"/>
+              <a:t>)</a:t>
+            </a:r>
+            <a:r>
+              <a:rPr lang="ja-JP" altLang="en-US" dirty="0"/>
+              <a:t>事まで解説しています</a:t>
+            </a:r>
+          </a:p>
+          <a:p>
+            <a:pPr lvl="2"/>
+            <a:r>
+              <a:rPr lang="ja-JP" altLang="en-US" dirty="0"/>
+              <a:t>プログラミングが好きな人はぜひ読み込んでください</a:t>
+            </a:r>
+          </a:p>
+          <a:p>
+            <a:pPr lvl="1"/>
+            <a:r>
+              <a:rPr kumimoji="1" lang="ja-JP" altLang="en-US" dirty="0"/>
+              <a:t>確認問題は予習テキストの理解のボトムラインを問う問題です</a:t>
+            </a:r>
+          </a:p>
+          <a:p>
+            <a:pPr lvl="2"/>
+            <a:r>
+              <a:rPr lang="ja-JP" altLang="en-US" dirty="0"/>
+              <a:t>プログラミングが苦手な人はこの確認問題ができるようになりましょう</a:t>
+            </a:r>
+            <a:endParaRPr kumimoji="1" lang="ja-JP" altLang="en-US" dirty="0"/>
+          </a:p>
+          <a:p>
+            <a:r>
+              <a:rPr kumimoji="1" lang="ja-JP" altLang="en-US" dirty="0"/>
+              <a:t>ボトムライン</a:t>
+            </a:r>
+            <a:endParaRPr kumimoji="1" lang="en-US" altLang="ja-JP" dirty="0"/>
+          </a:p>
+          <a:p>
+            <a:pPr lvl="1"/>
+            <a:r>
+              <a:rPr kumimoji="1" lang="ja-JP" altLang="en-US" dirty="0"/>
+              <a:t>毎回の宿題</a:t>
+            </a:r>
+            <a:r>
+              <a:rPr kumimoji="1" lang="en-US" altLang="ja-JP" dirty="0"/>
+              <a:t>(</a:t>
+            </a:r>
+            <a:r>
+              <a:rPr kumimoji="1" lang="ja-JP" altLang="en-US" dirty="0"/>
+              <a:t>予習テキストの確認問題</a:t>
+            </a:r>
+            <a:r>
+              <a:rPr kumimoji="1" lang="en-US" altLang="ja-JP" dirty="0"/>
+              <a:t>)</a:t>
+            </a:r>
+            <a:r>
+              <a:rPr kumimoji="1" lang="ja-JP" altLang="en-US" dirty="0"/>
+              <a:t>をやる</a:t>
+            </a:r>
+            <a:r>
+              <a:rPr kumimoji="1" lang="en-US" altLang="ja-JP" dirty="0"/>
+              <a:t>【</a:t>
+            </a:r>
+            <a:r>
+              <a:rPr kumimoji="1" lang="ja-JP" altLang="en-US" dirty="0"/>
+              <a:t>可</a:t>
+            </a:r>
+            <a:r>
+              <a:rPr kumimoji="1" lang="en-US" altLang="ja-JP" dirty="0"/>
+              <a:t>】</a:t>
+            </a:r>
+            <a:endParaRPr kumimoji="1" lang="ja-JP" altLang="en-US" dirty="0"/>
+          </a:p>
+          <a:p>
+            <a:r>
+              <a:rPr lang="ja-JP" altLang="en-US" dirty="0"/>
+              <a:t>加点材料</a:t>
+            </a:r>
+          </a:p>
+          <a:p>
+            <a:pPr lvl="1"/>
+            <a:r>
+              <a:rPr kumimoji="1" lang="ja-JP" altLang="en-US" dirty="0"/>
+              <a:t>提出された講義内課題で評価します</a:t>
+            </a:r>
+            <a:r>
+              <a:rPr kumimoji="1" lang="en-US" altLang="ja-JP" dirty="0"/>
+              <a:t>【</a:t>
+            </a:r>
+            <a:r>
+              <a:rPr kumimoji="1" lang="ja-JP" altLang="en-US" dirty="0"/>
+              <a:t>良</a:t>
+            </a:r>
+            <a:r>
+              <a:rPr kumimoji="1" lang="en-US" altLang="ja-JP" dirty="0"/>
+              <a:t>】</a:t>
+            </a:r>
+            <a:endParaRPr lang="ja-JP" altLang="en-US" dirty="0"/>
+          </a:p>
+          <a:p>
+            <a:pPr lvl="1"/>
+            <a:r>
+              <a:rPr kumimoji="1" lang="ja-JP" altLang="en-US" dirty="0"/>
+              <a:t>講義内課題の解答を</a:t>
+            </a:r>
+            <a:r>
+              <a:rPr kumimoji="1" lang="ja-JP" altLang="en-US" u="sng" dirty="0"/>
+              <a:t>発表したら</a:t>
+            </a:r>
+            <a:r>
+              <a:rPr kumimoji="1" lang="ja-JP" altLang="en-US" dirty="0"/>
+              <a:t>加点します</a:t>
+            </a:r>
+            <a:r>
+              <a:rPr kumimoji="1" lang="en-US" altLang="ja-JP" dirty="0"/>
+              <a:t>【</a:t>
+            </a:r>
+            <a:r>
+              <a:rPr lang="ja-JP" altLang="en-US" dirty="0"/>
+              <a:t>優・秀</a:t>
+            </a:r>
+            <a:r>
+              <a:rPr kumimoji="1" lang="en-US" altLang="ja-JP" dirty="0"/>
+              <a:t>】</a:t>
+            </a:r>
+            <a:endParaRPr kumimoji="1" lang="ja-JP" altLang="en-US" dirty="0"/>
+          </a:p>
+          <a:p>
+            <a:r>
+              <a:rPr lang="ja-JP" altLang="en-US" dirty="0"/>
+              <a:t>最終レポート</a:t>
+            </a:r>
+            <a:r>
+              <a:rPr lang="en-US" altLang="ja-JP" sz="1700" dirty="0"/>
+              <a:t>※</a:t>
+            </a:r>
+            <a:r>
+              <a:rPr lang="ja-JP" altLang="en-US" sz="1700" dirty="0"/>
+              <a:t>今年に関してはどのようなレポートにするかまだ検討中です</a:t>
+            </a:r>
+            <a:endParaRPr lang="ja-JP" altLang="en-US" dirty="0"/>
+          </a:p>
+          <a:p>
+            <a:pPr lvl="1"/>
+            <a:r>
+              <a:rPr kumimoji="1" lang="ja-JP" altLang="en-US" dirty="0"/>
+              <a:t>座学試験はせずレポートで評価します</a:t>
+            </a:r>
+          </a:p>
+        </p:txBody>
+      </p:sp>
+      <p:sp>
+        <p:nvSpPr>
+          <p:cNvPr id="5" name="日付プレースホルダー 4">
+            <a:extLst>
+              <a:ext uri="{FF2B5EF4-FFF2-40B4-BE49-F238E27FC236}">
+                <a16:creationId xmlns:a16="http://schemas.microsoft.com/office/drawing/2014/main" id="{073D6E28-7C6C-F081-851A-E98B20017F12}"/>
+              </a:ext>
+            </a:extLst>
+          </p:cNvPr>
+          <p:cNvSpPr>
+            <a:spLocks noGrp="1"/>
+          </p:cNvSpPr>
+          <p:nvPr>
+            <p:ph type="dt" sz="half" idx="10"/>
+          </p:nvPr>
+        </p:nvSpPr>
+        <p:spPr/>
+        <p:txBody>
+          <a:bodyPr/>
+          <a:lstStyle/>
+          <a:p>
+            <a:r>
+              <a:rPr kumimoji="1" lang="en-US" altLang="ja-JP"/>
+              <a:t>Day1</a:t>
+            </a:r>
+            <a:endParaRPr kumimoji="1" lang="ja-JP" altLang="en-US"/>
+          </a:p>
+        </p:txBody>
+      </p:sp>
+      <p:sp>
+        <p:nvSpPr>
+          <p:cNvPr id="6" name="スライド番号プレースホルダー 5">
+            <a:extLst>
+              <a:ext uri="{FF2B5EF4-FFF2-40B4-BE49-F238E27FC236}">
+                <a16:creationId xmlns:a16="http://schemas.microsoft.com/office/drawing/2014/main" id="{8A7B53DD-E90C-C45F-B37F-8C894130FD91}"/>
+              </a:ext>
+            </a:extLst>
+          </p:cNvPr>
+          <p:cNvSpPr>
+            <a:spLocks noGrp="1"/>
+          </p:cNvSpPr>
+          <p:nvPr>
+            <p:ph type="sldNum" sz="quarter" idx="12"/>
+          </p:nvPr>
+        </p:nvSpPr>
+        <p:spPr/>
+        <p:txBody>
+          <a:bodyPr/>
+          <a:lstStyle/>
+          <a:p>
+            <a:fld id="{B4DA0251-0B3B-4C1C-96DC-5D2833458AB2}" type="slidenum">
+              <a:rPr kumimoji="1" lang="ja-JP" altLang="en-US" smtClean="0"/>
+              <a:t>4</a:t>
+            </a:fld>
+            <a:endParaRPr kumimoji="1" lang="ja-JP" altLang="en-US"/>
+          </a:p>
+        </p:txBody>
+      </p:sp>
+    </p:spTree>
+    <p:extLst>
+      <p:ext uri="{BB962C8B-B14F-4D97-AF65-F5344CB8AC3E}">
+        <p14:creationId xmlns:p14="http://schemas.microsoft.com/office/powerpoint/2010/main" val="206141061"/>
+      </p:ext>
+    </p:extLst>
+  </p:cSld>
+  <p:clrMapOvr>
+    <a:masterClrMapping/>
+  </p:clrMapOvr>
+  <mc:AlternateContent xmlns:mc="http://schemas.openxmlformats.org/markup-compatibility/2006" xmlns:p14="http://schemas.microsoft.com/office/powerpoint/2010/main">
+    <mc:Choice Requires="p14">
+      <p:transition spd="med" p14:dur="700">
+        <p:fade/>
+      </p:transition>
+    </mc:Choice>
+    <mc:Fallback xmlns="">
+      <p:transition spd="med">
+        <p:fade/>
+      </p:transition>
+    </mc:Fallback>
+  </mc:AlternateContent>
+</p:sld>
+</file>
+
+<file path=ppt/slides/slide5.xml><?xml version="1.0" encoding="utf-8"?>
+<p:sld xmlns:a="http://schemas.openxmlformats.org/drawingml/2006/main" xmlns:r="http://schemas.openxmlformats.org/officeDocument/2006/relationships" xmlns:p="http://schemas.openxmlformats.org/presentationml/2006/main">
+  <p:cSld>
+    <p:spTree>
+      <p:nvGrpSpPr>
+        <p:cNvPr id="1" name=""/>
+        <p:cNvGrpSpPr/>
+        <p:nvPr/>
+      </p:nvGrpSpPr>
+      <p:grpSpPr>
+        <a:xfrm>
+          <a:off x="0" y="0"/>
+          <a:ext cx="0" cy="0"/>
+          <a:chOff x="0" y="0"/>
+          <a:chExt cx="0" cy="0"/>
+        </a:xfrm>
+      </p:grpSpPr>
+      <p:sp>
+        <p:nvSpPr>
+          <p:cNvPr id="2" name="フッター プレースホルダー 1">
+            <a:extLst>
+              <a:ext uri="{FF2B5EF4-FFF2-40B4-BE49-F238E27FC236}">
                 <a16:creationId xmlns:a16="http://schemas.microsoft.com/office/drawing/2014/main" id="{028875D5-3151-4F32-B162-8E5885CCE33E}"/>
               </a:ext>
             </a:extLst>
@@ -8713,7 +9465,7 @@
             <p:ph idx="1"/>
             <p:extLst>
               <p:ext uri="{D42A27DB-BD31-4B8C-83A1-F6EECF244321}">
-                <p14:modId xmlns:p14="http://schemas.microsoft.com/office/powerpoint/2010/main" val="2693748414"/>
+                <p14:modId xmlns:p14="http://schemas.microsoft.com/office/powerpoint/2010/main" val="297807079"/>
               </p:ext>
             </p:extLst>
           </p:nvPr>
@@ -9581,12 +10333,16 @@
                         <a:defRPr/>
                       </a:pPr>
                       <a:r>
+                        <a:rPr kumimoji="1" lang="en-US" altLang="ja-JP" sz="1600" dirty="0"/>
+                        <a:t>(</a:t>
+                      </a:r>
+                      <a:r>
                         <a:rPr kumimoji="1" lang="ja-JP" altLang="en-US" sz="1600" dirty="0"/>
                         <a:t>生成</a:t>
                       </a:r>
                       <a:r>
                         <a:rPr kumimoji="1" lang="en-US" altLang="ja-JP" sz="1600" dirty="0"/>
-                        <a:t>AI</a:t>
+                        <a:t>AI)</a:t>
                       </a:r>
                     </a:p>
                   </a:txBody>
@@ -9650,6 +10406,10 @@
                         <a:defRPr/>
                       </a:pPr>
                       <a:r>
+                        <a:rPr kumimoji="1" lang="en-US" altLang="ja-JP" sz="1600" dirty="0"/>
+                        <a:t>(</a:t>
+                      </a:r>
+                      <a:r>
                         <a:rPr kumimoji="1" lang="ja-JP" altLang="en-US" sz="1600" dirty="0"/>
                         <a:t>生成</a:t>
                       </a:r>
@@ -9665,7 +10425,14 @@
                         </a:rPr>
                         <a:t>演習</a:t>
                       </a:r>
-                      <a:endParaRPr kumimoji="1" lang="en-US" altLang="ja-JP" sz="1600" dirty="0"/>
+                      <a:r>
+                        <a:rPr kumimoji="1" lang="en-US" altLang="ja-JP" sz="1600" dirty="0">
+                          <a:solidFill>
+                            <a:schemeClr val="tx1"/>
+                          </a:solidFill>
+                        </a:rPr>
+                        <a:t>)</a:t>
+                      </a:r>
                     </a:p>
                   </a:txBody>
                   <a:tcPr/>
@@ -9782,7 +10549,7 @@
           <a:p>
             <a:fld id="{B4DA0251-0B3B-4C1C-96DC-5D2833458AB2}" type="slidenum">
               <a:rPr kumimoji="1" lang="ja-JP" altLang="en-US" smtClean="0"/>
-              <a:t>4</a:t>
+              <a:t>5</a:t>
             </a:fld>
             <a:endParaRPr kumimoji="1" lang="ja-JP" altLang="en-US"/>
           </a:p>
@@ -9866,206 +10633,6 @@
     <p:extLst>
       <p:ext uri="{BB962C8B-B14F-4D97-AF65-F5344CB8AC3E}">
         <p14:creationId xmlns:p14="http://schemas.microsoft.com/office/powerpoint/2010/main" val="2174229956"/>
-      </p:ext>
-    </p:extLst>
-  </p:cSld>
-  <p:clrMapOvr>
-    <a:masterClrMapping/>
-  </p:clrMapOvr>
-  <mc:AlternateContent xmlns:mc="http://schemas.openxmlformats.org/markup-compatibility/2006" xmlns:p14="http://schemas.microsoft.com/office/powerpoint/2010/main">
-    <mc:Choice Requires="p14">
-      <p:transition spd="med" p14:dur="700">
-        <p:fade/>
-      </p:transition>
-    </mc:Choice>
-    <mc:Fallback xmlns="">
-      <p:transition spd="med">
-        <p:fade/>
-      </p:transition>
-    </mc:Fallback>
-  </mc:AlternateContent>
-</p:sld>
-</file>
-
-<file path=ppt/slides/slide5.xml><?xml version="1.0" encoding="utf-8"?>
-<p:sld xmlns:a="http://schemas.openxmlformats.org/drawingml/2006/main" xmlns:r="http://schemas.openxmlformats.org/officeDocument/2006/relationships" xmlns:p="http://schemas.openxmlformats.org/presentationml/2006/main">
-  <p:cSld>
-    <p:spTree>
-      <p:nvGrpSpPr>
-        <p:cNvPr id="1" name=""/>
-        <p:cNvGrpSpPr/>
-        <p:nvPr/>
-      </p:nvGrpSpPr>
-      <p:grpSpPr>
-        <a:xfrm>
-          <a:off x="0" y="0"/>
-          <a:ext cx="0" cy="0"/>
-          <a:chOff x="0" y="0"/>
-          <a:chExt cx="0" cy="0"/>
-        </a:xfrm>
-      </p:grpSpPr>
-      <p:sp>
-        <p:nvSpPr>
-          <p:cNvPr id="6" name="タイトル 5"/>
-          <p:cNvSpPr>
-            <a:spLocks noGrp="1"/>
-          </p:cNvSpPr>
-          <p:nvPr>
-            <p:ph type="title"/>
-          </p:nvPr>
-        </p:nvSpPr>
-        <p:spPr/>
-        <p:txBody>
-          <a:bodyPr/>
-          <a:lstStyle/>
-          <a:p>
-            <a:r>
-              <a:rPr kumimoji="1" lang="ja-JP" altLang="en-US" dirty="0"/>
-              <a:t>情報科学Ｃ</a:t>
-            </a:r>
-          </a:p>
-        </p:txBody>
-      </p:sp>
-      <p:sp>
-        <p:nvSpPr>
-          <p:cNvPr id="7" name="テキスト プレースホルダー 6"/>
-          <p:cNvSpPr>
-            <a:spLocks noGrp="1"/>
-          </p:cNvSpPr>
-          <p:nvPr>
-            <p:ph type="body" idx="1"/>
-          </p:nvPr>
-        </p:nvSpPr>
-        <p:spPr/>
-        <p:txBody>
-          <a:bodyPr/>
-          <a:lstStyle/>
-          <a:p>
-            <a:r>
-              <a:rPr lang="ja-JP" altLang="en-US" dirty="0"/>
-              <a:t>第１回　</a:t>
-            </a:r>
-            <a:r>
-              <a:rPr kumimoji="1" lang="ja-JP" altLang="en-US" sz="2400" dirty="0"/>
-              <a:t>ガイダンス</a:t>
-            </a:r>
-            <a:endParaRPr kumimoji="1" lang="en-US" altLang="ja-JP" sz="2400" dirty="0"/>
-          </a:p>
-          <a:p>
-            <a:r>
-              <a:rPr lang="en-US" altLang="ja-JP" dirty="0"/>
-              <a:t>	</a:t>
-            </a:r>
-            <a:r>
-              <a:rPr lang="ja-JP" altLang="en-US" dirty="0"/>
-              <a:t>　</a:t>
-            </a:r>
-            <a:r>
-              <a:rPr kumimoji="1" lang="ja-JP" altLang="en-US" sz="2400" dirty="0"/>
-              <a:t>＆</a:t>
-            </a:r>
-            <a:r>
-              <a:rPr kumimoji="1" lang="en-US" altLang="ja-JP" sz="2400" dirty="0"/>
-              <a:t>Google </a:t>
-            </a:r>
-            <a:r>
-              <a:rPr kumimoji="1" lang="en-US" altLang="ja-JP" sz="2400" dirty="0" err="1"/>
-              <a:t>Colab</a:t>
-            </a:r>
-            <a:r>
-              <a:rPr kumimoji="1" lang="ja-JP" altLang="en-US" sz="2400" dirty="0"/>
-              <a:t>に触ってみる</a:t>
-            </a:r>
-          </a:p>
-          <a:p>
-            <a:endParaRPr kumimoji="1" lang="ja-JP" altLang="en-US" dirty="0"/>
-          </a:p>
-        </p:txBody>
-      </p:sp>
-      <p:sp>
-        <p:nvSpPr>
-          <p:cNvPr id="4" name="フッター プレースホルダー 3"/>
-          <p:cNvSpPr>
-            <a:spLocks noGrp="1"/>
-          </p:cNvSpPr>
-          <p:nvPr>
-            <p:ph type="ftr" sz="quarter" idx="11"/>
-          </p:nvPr>
-        </p:nvSpPr>
-        <p:spPr/>
-        <p:txBody>
-          <a:bodyPr/>
-          <a:lstStyle/>
-          <a:p>
-            <a:r>
-              <a:rPr kumimoji="1" lang="ja-JP" altLang="en-US"/>
-              <a:t>情報科学ｃ</a:t>
-            </a:r>
-            <a:endParaRPr kumimoji="1" lang="ja-JP" altLang="en-US" dirty="0"/>
-          </a:p>
-        </p:txBody>
-      </p:sp>
-      <p:sp>
-        <p:nvSpPr>
-          <p:cNvPr id="5" name="スライド番号プレースホルダー 4"/>
-          <p:cNvSpPr>
-            <a:spLocks noGrp="1"/>
-          </p:cNvSpPr>
-          <p:nvPr>
-            <p:ph type="sldNum" sz="quarter" idx="12"/>
-          </p:nvPr>
-        </p:nvSpPr>
-        <p:spPr/>
-        <p:txBody>
-          <a:bodyPr/>
-          <a:lstStyle/>
-          <a:p>
-            <a:r>
-              <a:rPr lang="en-US" altLang="ja-JP"/>
-              <a:t>p.</a:t>
-            </a:r>
-            <a:fld id="{71584EDF-536B-41D0-946E-780F35A2C473}" type="slidenum">
-              <a:rPr lang="ja-JP" altLang="en-US" smtClean="0"/>
-              <a:pPr/>
-              <a:t>5</a:t>
-            </a:fld>
-            <a:endParaRPr lang="ja-JP" altLang="en-US" dirty="0"/>
-          </a:p>
-        </p:txBody>
-      </p:sp>
-      <p:sp>
-        <p:nvSpPr>
-          <p:cNvPr id="2" name="日付プレースホルダー 1">
-            <a:extLst>
-              <a:ext uri="{FF2B5EF4-FFF2-40B4-BE49-F238E27FC236}">
-                <a16:creationId xmlns:a16="http://schemas.microsoft.com/office/drawing/2014/main" id="{91617532-72A8-4D77-B75C-DB0447AED849}"/>
-              </a:ext>
-            </a:extLst>
-          </p:cNvPr>
-          <p:cNvSpPr>
-            <a:spLocks noGrp="1"/>
-          </p:cNvSpPr>
-          <p:nvPr>
-            <p:ph type="dt" sz="half" idx="10"/>
-          </p:nvPr>
-        </p:nvSpPr>
-        <p:spPr/>
-        <p:txBody>
-          <a:bodyPr/>
-          <a:lstStyle/>
-          <a:p>
-            <a:r>
-              <a:rPr lang="en-US" altLang="ja-JP"/>
-              <a:t>Day1</a:t>
-            </a:r>
-            <a:endParaRPr lang="ja-JP" altLang="en-US" dirty="0"/>
-          </a:p>
-        </p:txBody>
-      </p:sp>
-    </p:spTree>
-    <p:extLst>
-      <p:ext uri="{BB962C8B-B14F-4D97-AF65-F5344CB8AC3E}">
-        <p14:creationId xmlns:p14="http://schemas.microsoft.com/office/powerpoint/2010/main" val="4208322892"/>
       </p:ext>
     </p:extLst>
   </p:cSld>
@@ -10106,13 +10673,85 @@
       </p:grpSpPr>
       <p:sp>
         <p:nvSpPr>
-          <p:cNvPr id="5" name="フッター プレースホルダー 4">
-            <a:extLst>
-              <a:ext uri="{FF2B5EF4-FFF2-40B4-BE49-F238E27FC236}">
-                <a16:creationId xmlns:a16="http://schemas.microsoft.com/office/drawing/2014/main" id="{AE12ADEB-0CEC-A571-2D02-EBA369BBE2C2}"/>
-              </a:ext>
-            </a:extLst>
-          </p:cNvPr>
+          <p:cNvPr id="6" name="タイトル 5"/>
+          <p:cNvSpPr>
+            <a:spLocks noGrp="1"/>
+          </p:cNvSpPr>
+          <p:nvPr>
+            <p:ph type="title"/>
+          </p:nvPr>
+        </p:nvSpPr>
+        <p:spPr/>
+        <p:txBody>
+          <a:bodyPr/>
+          <a:lstStyle/>
+          <a:p>
+            <a:r>
+              <a:rPr kumimoji="1" lang="ja-JP" altLang="en-US" dirty="0"/>
+              <a:t>情報科学Ｃ</a:t>
+            </a:r>
+          </a:p>
+        </p:txBody>
+      </p:sp>
+      <p:sp>
+        <p:nvSpPr>
+          <p:cNvPr id="7" name="テキスト プレースホルダー 6"/>
+          <p:cNvSpPr>
+            <a:spLocks noGrp="1"/>
+          </p:cNvSpPr>
+          <p:nvPr>
+            <p:ph type="body" idx="1"/>
+          </p:nvPr>
+        </p:nvSpPr>
+        <p:spPr/>
+        <p:txBody>
+          <a:bodyPr/>
+          <a:lstStyle/>
+          <a:p>
+            <a:r>
+              <a:rPr lang="ja-JP" altLang="en-US" dirty="0"/>
+              <a:t>第１回　</a:t>
+            </a:r>
+            <a:r>
+              <a:rPr kumimoji="1" lang="ja-JP" altLang="en-US" sz="2400" dirty="0"/>
+              <a:t>ガイダンス</a:t>
+            </a:r>
+            <a:endParaRPr kumimoji="1" lang="en-US" altLang="ja-JP" sz="2400" dirty="0"/>
+          </a:p>
+          <a:p>
+            <a:r>
+              <a:rPr lang="en-US" altLang="ja-JP" dirty="0"/>
+              <a:t>	</a:t>
+            </a:r>
+            <a:r>
+              <a:rPr lang="ja-JP" altLang="en-US" dirty="0"/>
+              <a:t>　</a:t>
+            </a:r>
+            <a:r>
+              <a:rPr kumimoji="1" lang="ja-JP" altLang="en-US" sz="2400" dirty="0"/>
+              <a:t>＆</a:t>
+            </a:r>
+            <a:r>
+              <a:rPr kumimoji="1" lang="en-US" altLang="ja-JP" sz="2400" dirty="0"/>
+              <a:t>Google </a:t>
+            </a:r>
+            <a:r>
+              <a:rPr kumimoji="1" lang="en-US" altLang="ja-JP" sz="2400" dirty="0" err="1"/>
+              <a:t>Colab</a:t>
+            </a:r>
+            <a:r>
+              <a:rPr kumimoji="1" lang="ja-JP" altLang="en-US" sz="2400" dirty="0"/>
+              <a:t>に触ってみる</a:t>
+            </a:r>
+          </a:p>
+          <a:p>
+            <a:endParaRPr kumimoji="1" lang="ja-JP" altLang="en-US" dirty="0"/>
+          </a:p>
+        </p:txBody>
+      </p:sp>
+      <p:sp>
+        <p:nvSpPr>
+          <p:cNvPr id="4" name="フッター プレースホルダー 3"/>
           <p:cNvSpPr>
             <a:spLocks noGrp="1"/>
           </p:cNvSpPr>
@@ -10126,27 +10765,21 @@
           <a:lstStyle/>
           <a:p>
             <a:r>
-              <a:rPr lang="ja-JP" altLang="en-US"/>
+              <a:rPr kumimoji="1" lang="ja-JP" altLang="en-US"/>
               <a:t>情報科学ｃ</a:t>
             </a:r>
-            <a:endParaRPr lang="ja-JP" altLang="en-US" dirty="0"/>
-          </a:p>
-        </p:txBody>
-      </p:sp>
-      <p:sp>
-        <p:nvSpPr>
-          <p:cNvPr id="7" name="タイトル 6">
-            <a:extLst>
-              <a:ext uri="{FF2B5EF4-FFF2-40B4-BE49-F238E27FC236}">
-                <a16:creationId xmlns:a16="http://schemas.microsoft.com/office/drawing/2014/main" id="{0F72FC61-6162-A575-A4C5-F4454633A3F5}"/>
-              </a:ext>
-            </a:extLst>
-          </p:cNvPr>
-          <p:cNvSpPr>
-            <a:spLocks noGrp="1"/>
-          </p:cNvSpPr>
-          <p:nvPr>
-            <p:ph type="title"/>
+            <a:endParaRPr kumimoji="1" lang="ja-JP" altLang="en-US" dirty="0"/>
+          </a:p>
+        </p:txBody>
+      </p:sp>
+      <p:sp>
+        <p:nvSpPr>
+          <p:cNvPr id="5" name="スライド番号プレースホルダー 4"/>
+          <p:cNvSpPr>
+            <a:spLocks noGrp="1"/>
+          </p:cNvSpPr>
+          <p:nvPr>
+            <p:ph type="sldNum" sz="quarter" idx="12"/>
           </p:nvPr>
         </p:nvSpPr>
         <p:spPr/>
@@ -10155,215 +10788,10 @@
           <a:lstStyle/>
           <a:p>
             <a:r>
-              <a:rPr lang="en-US" altLang="ja-JP" dirty="0"/>
-              <a:t>Google </a:t>
-            </a:r>
-            <a:r>
-              <a:rPr lang="en-US" altLang="ja-JP" u="sng" dirty="0"/>
-              <a:t>Colab</a:t>
-            </a:r>
-            <a:r>
-              <a:rPr lang="en-US" altLang="ja-JP" dirty="0"/>
-              <a:t>oratory</a:t>
-            </a:r>
-            <a:endParaRPr lang="ja-JP" altLang="en-US" dirty="0"/>
-          </a:p>
-        </p:txBody>
-      </p:sp>
-      <p:sp>
-        <p:nvSpPr>
-          <p:cNvPr id="8" name="コンテンツ プレースホルダー 7">
-            <a:extLst>
-              <a:ext uri="{FF2B5EF4-FFF2-40B4-BE49-F238E27FC236}">
-                <a16:creationId xmlns:a16="http://schemas.microsoft.com/office/drawing/2014/main" id="{32EB1E26-BB40-D021-FB9C-35F49F391E37}"/>
-              </a:ext>
-            </a:extLst>
-          </p:cNvPr>
-          <p:cNvSpPr>
-            <a:spLocks noGrp="1"/>
-          </p:cNvSpPr>
-          <p:nvPr>
-            <p:ph idx="1"/>
-          </p:nvPr>
-        </p:nvSpPr>
-        <p:spPr/>
-        <p:txBody>
-          <a:bodyPr/>
-          <a:lstStyle/>
-          <a:p>
-            <a:r>
-              <a:rPr lang="en-US" altLang="ja-JP" dirty="0"/>
-              <a:t>Google</a:t>
-            </a:r>
-            <a:r>
-              <a:rPr lang="ja-JP" altLang="en-US" dirty="0"/>
-              <a:t>が提供する無料のクラウドベースの開発環境</a:t>
-            </a:r>
-            <a:endParaRPr lang="ja-JP" altLang="en-US" dirty="0">
-              <a:solidFill>
-                <a:srgbClr val="EEF0FF"/>
-              </a:solidFill>
-              <a:latin typeface="Arial" panose="020B0604020202020204" pitchFamily="34" charset="0"/>
-            </a:endParaRPr>
-          </a:p>
-          <a:p>
-            <a:pPr lvl="1"/>
-            <a:r>
-              <a:rPr lang="ja-JP" altLang="en-US" dirty="0"/>
-              <a:t>とりあえずは</a:t>
-            </a:r>
-            <a:r>
-              <a:rPr lang="en-US" altLang="ja-JP" dirty="0"/>
-              <a:t>『</a:t>
-            </a:r>
-            <a:r>
-              <a:rPr lang="ja-JP" altLang="en-US" dirty="0"/>
-              <a:t>ブラウザ上で動く</a:t>
-            </a:r>
-            <a:r>
-              <a:rPr lang="en-US" altLang="ja-JP" dirty="0"/>
-              <a:t>Python』</a:t>
-            </a:r>
-            <a:r>
-              <a:rPr lang="ja-JP" altLang="en-US" dirty="0"/>
-              <a:t>との理解で</a:t>
-            </a:r>
-            <a:r>
-              <a:rPr lang="en-US" altLang="ja-JP" dirty="0"/>
-              <a:t>OK</a:t>
-            </a:r>
-            <a:r>
-              <a:rPr lang="ja-JP" altLang="en-US" dirty="0"/>
-              <a:t>です</a:t>
-            </a:r>
-            <a:endParaRPr lang="en-US" altLang="ja-JP" dirty="0"/>
-          </a:p>
-          <a:p>
-            <a:r>
-              <a:rPr lang="ja-JP" altLang="en-US" dirty="0"/>
-              <a:t>ノート</a:t>
-            </a:r>
-            <a:r>
-              <a:rPr lang="en-US" altLang="ja-JP" dirty="0"/>
-              <a:t>×</a:t>
-            </a:r>
-            <a:r>
-              <a:rPr lang="ja-JP" altLang="en-US" dirty="0"/>
-              <a:t>コード</a:t>
-            </a:r>
-          </a:p>
-          <a:p>
-            <a:pPr lvl="1"/>
-            <a:r>
-              <a:rPr lang="en-US" altLang="ja-JP" dirty="0"/>
-              <a:t>Python</a:t>
-            </a:r>
-            <a:r>
-              <a:rPr lang="ja-JP" altLang="en-US" dirty="0"/>
-              <a:t>コードが書けます</a:t>
-            </a:r>
-          </a:p>
-          <a:p>
-            <a:pPr lvl="1"/>
-            <a:r>
-              <a:rPr lang="ja-JP" altLang="en-US" dirty="0"/>
-              <a:t>実行結果が見られます</a:t>
-            </a:r>
-          </a:p>
-          <a:p>
-            <a:pPr lvl="1"/>
-            <a:r>
-              <a:rPr lang="ja-JP" altLang="en-US" dirty="0"/>
-              <a:t>説明文書が書けます</a:t>
-            </a:r>
-            <a:endParaRPr lang="en-US" altLang="ja-JP" dirty="0"/>
-          </a:p>
-          <a:p>
-            <a:pPr lvl="1"/>
-            <a:r>
-              <a:rPr lang="ja-JP" altLang="en-US" dirty="0"/>
-              <a:t>誰かと共有できます</a:t>
-            </a:r>
-          </a:p>
-          <a:p>
-            <a:pPr lvl="1"/>
-            <a:r>
-              <a:rPr lang="ja-JP" altLang="en-US" dirty="0"/>
-              <a:t>様々な外部ライブラリが使えます</a:t>
-            </a:r>
-          </a:p>
-          <a:p>
-            <a:pPr lvl="1"/>
-            <a:r>
-              <a:rPr lang="ja-JP" altLang="en-US" dirty="0"/>
-              <a:t>課金すれば強力な</a:t>
-            </a:r>
-            <a:r>
-              <a:rPr lang="en-US" altLang="ja-JP" dirty="0"/>
-              <a:t>GPU</a:t>
-            </a:r>
-            <a:r>
-              <a:rPr lang="ja-JP" altLang="en-US" dirty="0"/>
-              <a:t>も使えます</a:t>
-            </a:r>
-          </a:p>
-          <a:p>
-            <a:pPr lvl="1"/>
-            <a:endParaRPr lang="en-US" altLang="ja-JP" dirty="0"/>
-          </a:p>
-        </p:txBody>
-      </p:sp>
-      <p:sp>
-        <p:nvSpPr>
-          <p:cNvPr id="4" name="日付プレースホルダー 3">
-            <a:extLst>
-              <a:ext uri="{FF2B5EF4-FFF2-40B4-BE49-F238E27FC236}">
-                <a16:creationId xmlns:a16="http://schemas.microsoft.com/office/drawing/2014/main" id="{63BCA03C-BA85-FB32-F82C-C8D87AB572A9}"/>
-              </a:ext>
-            </a:extLst>
-          </p:cNvPr>
-          <p:cNvSpPr>
-            <a:spLocks noGrp="1"/>
-          </p:cNvSpPr>
-          <p:nvPr>
-            <p:ph type="dt" sz="half" idx="10"/>
-          </p:nvPr>
-        </p:nvSpPr>
-        <p:spPr/>
-        <p:txBody>
-          <a:bodyPr/>
-          <a:lstStyle/>
-          <a:p>
-            <a:r>
               <a:rPr lang="en-US" altLang="ja-JP"/>
-              <a:t>Day1</a:t>
-            </a:r>
-            <a:endParaRPr lang="ja-JP" altLang="en-US" dirty="0"/>
-          </a:p>
-        </p:txBody>
-      </p:sp>
-      <p:sp>
-        <p:nvSpPr>
-          <p:cNvPr id="6" name="スライド番号プレースホルダー 5">
-            <a:extLst>
-              <a:ext uri="{FF2B5EF4-FFF2-40B4-BE49-F238E27FC236}">
-                <a16:creationId xmlns:a16="http://schemas.microsoft.com/office/drawing/2014/main" id="{05AA9DE0-12D4-DC0A-AF97-8191A6B93321}"/>
-              </a:ext>
-            </a:extLst>
-          </p:cNvPr>
-          <p:cNvSpPr>
-            <a:spLocks noGrp="1"/>
-          </p:cNvSpPr>
-          <p:nvPr>
-            <p:ph type="sldNum" sz="quarter" idx="12"/>
-          </p:nvPr>
-        </p:nvSpPr>
-        <p:spPr/>
-        <p:txBody>
-          <a:bodyPr/>
-          <a:lstStyle/>
-          <a:p>
-            <a:fld id="{B4DA0251-0B3B-4C1C-96DC-5D2833458AB2}" type="slidenum">
+              <a:t>p.</a:t>
+            </a:r>
+            <a:fld id="{71584EDF-536B-41D0-946E-780F35A2C473}" type="slidenum">
               <a:rPr lang="ja-JP" altLang="en-US" smtClean="0"/>
               <a:pPr/>
               <a:t>6</a:t>
@@ -10372,184 +10800,39 @@
           </a:p>
         </p:txBody>
       </p:sp>
-      <p:pic>
-        <p:nvPicPr>
-          <p:cNvPr id="10" name="図 9">
-            <a:extLst>
-              <a:ext uri="{FF2B5EF4-FFF2-40B4-BE49-F238E27FC236}">
-                <a16:creationId xmlns:a16="http://schemas.microsoft.com/office/drawing/2014/main" id="{AFEA4B46-9AA4-9092-73F0-64C3A88D3876}"/>
-              </a:ext>
-            </a:extLst>
-          </p:cNvPr>
-          <p:cNvPicPr>
-            <a:picLocks noChangeAspect="1"/>
-          </p:cNvPicPr>
-          <p:nvPr/>
-        </p:nvPicPr>
-        <p:blipFill>
-          <a:blip r:embed="rId2"/>
-          <a:stretch>
-            <a:fillRect/>
-          </a:stretch>
-        </p:blipFill>
-        <p:spPr>
-          <a:xfrm>
-            <a:off x="7468699" y="2794518"/>
-            <a:ext cx="3609301" cy="3834882"/>
-          </a:xfrm>
-          <a:prstGeom prst="rect">
-            <a:avLst/>
-          </a:prstGeom>
-        </p:spPr>
-      </p:pic>
-      <p:sp>
-        <p:nvSpPr>
-          <p:cNvPr id="12" name="楕円 11">
-            <a:extLst>
-              <a:ext uri="{FF2B5EF4-FFF2-40B4-BE49-F238E27FC236}">
-                <a16:creationId xmlns:a16="http://schemas.microsoft.com/office/drawing/2014/main" id="{BFC13A75-0365-BB62-EF1A-D94ACD9BB157}"/>
-              </a:ext>
-            </a:extLst>
-          </p:cNvPr>
-          <p:cNvSpPr/>
-          <p:nvPr/>
-        </p:nvSpPr>
-        <p:spPr>
-          <a:xfrm>
-            <a:off x="9965094" y="3668145"/>
-            <a:ext cx="1929881" cy="401217"/>
-          </a:xfrm>
-          <a:prstGeom prst="ellipse">
-            <a:avLst/>
-          </a:prstGeom>
-        </p:spPr>
-        <p:style>
-          <a:lnRef idx="0">
-            <a:schemeClr val="accent3"/>
-          </a:lnRef>
-          <a:fillRef idx="3">
-            <a:schemeClr val="accent3"/>
-          </a:fillRef>
-          <a:effectRef idx="3">
-            <a:schemeClr val="accent3"/>
-          </a:effectRef>
-          <a:fontRef idx="minor">
-            <a:schemeClr val="lt1"/>
-          </a:fontRef>
-        </p:style>
-        <p:txBody>
-          <a:bodyPr rtlCol="0" anchor="ctr"/>
-          <a:lstStyle/>
-          <a:p>
-            <a:pPr algn="ctr"/>
-            <a:r>
-              <a:rPr lang="ja-JP" altLang="en-US" dirty="0"/>
-              <a:t>ノート</a:t>
-            </a:r>
-            <a:endParaRPr kumimoji="1" lang="ja-JP" altLang="en-US" dirty="0"/>
-          </a:p>
-        </p:txBody>
-      </p:sp>
-      <p:sp>
-        <p:nvSpPr>
-          <p:cNvPr id="13" name="楕円 12">
-            <a:extLst>
-              <a:ext uri="{FF2B5EF4-FFF2-40B4-BE49-F238E27FC236}">
-                <a16:creationId xmlns:a16="http://schemas.microsoft.com/office/drawing/2014/main" id="{801F0BA3-DC70-2AD1-116E-803E8FB31C31}"/>
-              </a:ext>
-            </a:extLst>
-          </p:cNvPr>
-          <p:cNvSpPr/>
-          <p:nvPr/>
-        </p:nvSpPr>
-        <p:spPr>
-          <a:xfrm>
-            <a:off x="9965094" y="4559219"/>
-            <a:ext cx="1929881" cy="401217"/>
-          </a:xfrm>
-          <a:prstGeom prst="ellipse">
-            <a:avLst/>
-          </a:prstGeom>
-        </p:spPr>
-        <p:style>
-          <a:lnRef idx="0">
-            <a:schemeClr val="accent3"/>
-          </a:lnRef>
-          <a:fillRef idx="3">
-            <a:schemeClr val="accent3"/>
-          </a:fillRef>
-          <a:effectRef idx="3">
-            <a:schemeClr val="accent3"/>
-          </a:effectRef>
-          <a:fontRef idx="minor">
-            <a:schemeClr val="lt1"/>
-          </a:fontRef>
-        </p:style>
-        <p:txBody>
-          <a:bodyPr rtlCol="0" anchor="ctr"/>
-          <a:lstStyle/>
-          <a:p>
-            <a:pPr algn="ctr"/>
-            <a:r>
-              <a:rPr lang="ja-JP" altLang="en-US" dirty="0"/>
-              <a:t>コード</a:t>
-            </a:r>
-            <a:endParaRPr kumimoji="1" lang="ja-JP" altLang="en-US" dirty="0"/>
-          </a:p>
-        </p:txBody>
-      </p:sp>
-      <p:sp>
-        <p:nvSpPr>
-          <p:cNvPr id="14" name="楕円 13">
-            <a:extLst>
-              <a:ext uri="{FF2B5EF4-FFF2-40B4-BE49-F238E27FC236}">
-                <a16:creationId xmlns:a16="http://schemas.microsoft.com/office/drawing/2014/main" id="{93830998-BD41-B291-4201-141303B74796}"/>
-              </a:ext>
-            </a:extLst>
-          </p:cNvPr>
-          <p:cNvSpPr/>
-          <p:nvPr/>
-        </p:nvSpPr>
-        <p:spPr>
-          <a:xfrm>
-            <a:off x="9965094" y="5834063"/>
-            <a:ext cx="1929881" cy="401217"/>
-          </a:xfrm>
-          <a:prstGeom prst="ellipse">
-            <a:avLst/>
-          </a:prstGeom>
-        </p:spPr>
-        <p:style>
-          <a:lnRef idx="0">
-            <a:schemeClr val="accent3"/>
-          </a:lnRef>
-          <a:fillRef idx="3">
-            <a:schemeClr val="accent3"/>
-          </a:fillRef>
-          <a:effectRef idx="3">
-            <a:schemeClr val="accent3"/>
-          </a:effectRef>
-          <a:fontRef idx="minor">
-            <a:schemeClr val="lt1"/>
-          </a:fontRef>
-        </p:style>
-        <p:txBody>
-          <a:bodyPr rtlCol="0" anchor="ctr"/>
-          <a:lstStyle/>
-          <a:p>
-            <a:pPr algn="ctr"/>
-            <a:r>
-              <a:rPr lang="ja-JP" altLang="en-US" dirty="0"/>
-              <a:t>実行結果</a:t>
-            </a:r>
-            <a:endParaRPr kumimoji="1" lang="ja-JP" altLang="en-US" dirty="0"/>
+      <p:sp>
+        <p:nvSpPr>
+          <p:cNvPr id="2" name="日付プレースホルダー 1">
+            <a:extLst>
+              <a:ext uri="{FF2B5EF4-FFF2-40B4-BE49-F238E27FC236}">
+                <a16:creationId xmlns:a16="http://schemas.microsoft.com/office/drawing/2014/main" id="{91617532-72A8-4D77-B75C-DB0447AED849}"/>
+              </a:ext>
+            </a:extLst>
+          </p:cNvPr>
+          <p:cNvSpPr>
+            <a:spLocks noGrp="1"/>
+          </p:cNvSpPr>
+          <p:nvPr>
+            <p:ph type="dt" sz="half" idx="10"/>
+          </p:nvPr>
+        </p:nvSpPr>
+        <p:spPr/>
+        <p:txBody>
+          <a:bodyPr/>
+          <a:lstStyle/>
+          <a:p>
+            <a:r>
+              <a:rPr lang="en-US" altLang="ja-JP"/>
+              <a:t>Day1</a:t>
+            </a:r>
+            <a:endParaRPr lang="ja-JP" altLang="en-US" dirty="0"/>
           </a:p>
         </p:txBody>
       </p:sp>
     </p:spTree>
     <p:extLst>
       <p:ext uri="{BB962C8B-B14F-4D97-AF65-F5344CB8AC3E}">
-        <p14:creationId xmlns:p14="http://schemas.microsoft.com/office/powerpoint/2010/main" val="3796326876"/>
+        <p14:creationId xmlns:p14="http://schemas.microsoft.com/office/powerpoint/2010/main" val="4208322892"/>
       </p:ext>
     </p:extLst>
   </p:cSld>
@@ -10590,6 +10873,490 @@
       </p:grpSpPr>
       <p:sp>
         <p:nvSpPr>
+          <p:cNvPr id="5" name="フッター プレースホルダー 4">
+            <a:extLst>
+              <a:ext uri="{FF2B5EF4-FFF2-40B4-BE49-F238E27FC236}">
+                <a16:creationId xmlns:a16="http://schemas.microsoft.com/office/drawing/2014/main" id="{AE12ADEB-0CEC-A571-2D02-EBA369BBE2C2}"/>
+              </a:ext>
+            </a:extLst>
+          </p:cNvPr>
+          <p:cNvSpPr>
+            <a:spLocks noGrp="1"/>
+          </p:cNvSpPr>
+          <p:nvPr>
+            <p:ph type="ftr" sz="quarter" idx="11"/>
+          </p:nvPr>
+        </p:nvSpPr>
+        <p:spPr/>
+        <p:txBody>
+          <a:bodyPr/>
+          <a:lstStyle/>
+          <a:p>
+            <a:r>
+              <a:rPr lang="ja-JP" altLang="en-US"/>
+              <a:t>情報科学ｃ</a:t>
+            </a:r>
+            <a:endParaRPr lang="ja-JP" altLang="en-US" dirty="0"/>
+          </a:p>
+        </p:txBody>
+      </p:sp>
+      <p:sp>
+        <p:nvSpPr>
+          <p:cNvPr id="7" name="タイトル 6">
+            <a:extLst>
+              <a:ext uri="{FF2B5EF4-FFF2-40B4-BE49-F238E27FC236}">
+                <a16:creationId xmlns:a16="http://schemas.microsoft.com/office/drawing/2014/main" id="{0F72FC61-6162-A575-A4C5-F4454633A3F5}"/>
+              </a:ext>
+            </a:extLst>
+          </p:cNvPr>
+          <p:cNvSpPr>
+            <a:spLocks noGrp="1"/>
+          </p:cNvSpPr>
+          <p:nvPr>
+            <p:ph type="title"/>
+          </p:nvPr>
+        </p:nvSpPr>
+        <p:spPr/>
+        <p:txBody>
+          <a:bodyPr/>
+          <a:lstStyle/>
+          <a:p>
+            <a:r>
+              <a:rPr lang="en-US" altLang="ja-JP" dirty="0"/>
+              <a:t>Google </a:t>
+            </a:r>
+            <a:r>
+              <a:rPr lang="en-US" altLang="ja-JP" u="sng" dirty="0"/>
+              <a:t>Colab</a:t>
+            </a:r>
+            <a:r>
+              <a:rPr lang="en-US" altLang="ja-JP" dirty="0"/>
+              <a:t>oratory</a:t>
+            </a:r>
+            <a:endParaRPr lang="ja-JP" altLang="en-US" dirty="0"/>
+          </a:p>
+        </p:txBody>
+      </p:sp>
+      <p:sp>
+        <p:nvSpPr>
+          <p:cNvPr id="8" name="コンテンツ プレースホルダー 7">
+            <a:extLst>
+              <a:ext uri="{FF2B5EF4-FFF2-40B4-BE49-F238E27FC236}">
+                <a16:creationId xmlns:a16="http://schemas.microsoft.com/office/drawing/2014/main" id="{32EB1E26-BB40-D021-FB9C-35F49F391E37}"/>
+              </a:ext>
+            </a:extLst>
+          </p:cNvPr>
+          <p:cNvSpPr>
+            <a:spLocks noGrp="1"/>
+          </p:cNvSpPr>
+          <p:nvPr>
+            <p:ph idx="1"/>
+          </p:nvPr>
+        </p:nvSpPr>
+        <p:spPr/>
+        <p:txBody>
+          <a:bodyPr/>
+          <a:lstStyle/>
+          <a:p>
+            <a:r>
+              <a:rPr lang="en-US" altLang="ja-JP" dirty="0"/>
+              <a:t>Google</a:t>
+            </a:r>
+            <a:r>
+              <a:rPr lang="ja-JP" altLang="en-US" dirty="0"/>
+              <a:t>が提供する無料のクラウドベースの開発環境</a:t>
+            </a:r>
+            <a:endParaRPr lang="ja-JP" altLang="en-US" dirty="0">
+              <a:solidFill>
+                <a:srgbClr val="EEF0FF"/>
+              </a:solidFill>
+              <a:latin typeface="Arial" panose="020B0604020202020204" pitchFamily="34" charset="0"/>
+            </a:endParaRPr>
+          </a:p>
+          <a:p>
+            <a:pPr lvl="1"/>
+            <a:r>
+              <a:rPr lang="ja-JP" altLang="en-US" dirty="0"/>
+              <a:t>とりあえずは</a:t>
+            </a:r>
+            <a:r>
+              <a:rPr lang="en-US" altLang="ja-JP" dirty="0"/>
+              <a:t>『</a:t>
+            </a:r>
+            <a:r>
+              <a:rPr lang="ja-JP" altLang="en-US" dirty="0"/>
+              <a:t>ブラウザ上で動く</a:t>
+            </a:r>
+            <a:r>
+              <a:rPr lang="en-US" altLang="ja-JP" dirty="0"/>
+              <a:t>Python』</a:t>
+            </a:r>
+            <a:r>
+              <a:rPr lang="ja-JP" altLang="en-US" dirty="0"/>
+              <a:t>との理解で</a:t>
+            </a:r>
+            <a:r>
+              <a:rPr lang="en-US" altLang="ja-JP" dirty="0"/>
+              <a:t>OK</a:t>
+            </a:r>
+            <a:r>
+              <a:rPr lang="ja-JP" altLang="en-US" dirty="0"/>
+              <a:t>です</a:t>
+            </a:r>
+            <a:endParaRPr lang="en-US" altLang="ja-JP" dirty="0"/>
+          </a:p>
+          <a:p>
+            <a:r>
+              <a:rPr lang="ja-JP" altLang="en-US" dirty="0"/>
+              <a:t>ノート</a:t>
+            </a:r>
+            <a:r>
+              <a:rPr lang="en-US" altLang="ja-JP" dirty="0"/>
+              <a:t>×</a:t>
+            </a:r>
+            <a:r>
+              <a:rPr lang="ja-JP" altLang="en-US" dirty="0"/>
+              <a:t>コード</a:t>
+            </a:r>
+          </a:p>
+          <a:p>
+            <a:pPr lvl="1"/>
+            <a:r>
+              <a:rPr lang="en-US" altLang="ja-JP" dirty="0"/>
+              <a:t>Python</a:t>
+            </a:r>
+            <a:r>
+              <a:rPr lang="ja-JP" altLang="en-US" dirty="0"/>
+              <a:t>コードが書けます</a:t>
+            </a:r>
+          </a:p>
+          <a:p>
+            <a:pPr lvl="1"/>
+            <a:r>
+              <a:rPr lang="ja-JP" altLang="en-US" dirty="0"/>
+              <a:t>実行結果が見られます</a:t>
+            </a:r>
+          </a:p>
+          <a:p>
+            <a:pPr lvl="1"/>
+            <a:r>
+              <a:rPr lang="ja-JP" altLang="en-US" dirty="0"/>
+              <a:t>説明文書が書けます</a:t>
+            </a:r>
+            <a:endParaRPr lang="en-US" altLang="ja-JP" dirty="0"/>
+          </a:p>
+          <a:p>
+            <a:pPr lvl="1"/>
+            <a:r>
+              <a:rPr lang="ja-JP" altLang="en-US" dirty="0"/>
+              <a:t>誰かと共有できます</a:t>
+            </a:r>
+          </a:p>
+          <a:p>
+            <a:pPr lvl="1"/>
+            <a:r>
+              <a:rPr lang="ja-JP" altLang="en-US" dirty="0"/>
+              <a:t>様々な外部ライブラリが使えます</a:t>
+            </a:r>
+          </a:p>
+          <a:p>
+            <a:pPr lvl="1"/>
+            <a:r>
+              <a:rPr lang="ja-JP" altLang="en-US" dirty="0"/>
+              <a:t>課金すれば強力な</a:t>
+            </a:r>
+            <a:r>
+              <a:rPr lang="en-US" altLang="ja-JP" dirty="0"/>
+              <a:t>GPU</a:t>
+            </a:r>
+            <a:r>
+              <a:rPr lang="ja-JP" altLang="en-US" dirty="0"/>
+              <a:t>も使えます</a:t>
+            </a:r>
+          </a:p>
+          <a:p>
+            <a:pPr lvl="1"/>
+            <a:endParaRPr lang="en-US" altLang="ja-JP" dirty="0"/>
+          </a:p>
+        </p:txBody>
+      </p:sp>
+      <p:sp>
+        <p:nvSpPr>
+          <p:cNvPr id="4" name="日付プレースホルダー 3">
+            <a:extLst>
+              <a:ext uri="{FF2B5EF4-FFF2-40B4-BE49-F238E27FC236}">
+                <a16:creationId xmlns:a16="http://schemas.microsoft.com/office/drawing/2014/main" id="{63BCA03C-BA85-FB32-F82C-C8D87AB572A9}"/>
+              </a:ext>
+            </a:extLst>
+          </p:cNvPr>
+          <p:cNvSpPr>
+            <a:spLocks noGrp="1"/>
+          </p:cNvSpPr>
+          <p:nvPr>
+            <p:ph type="dt" sz="half" idx="10"/>
+          </p:nvPr>
+        </p:nvSpPr>
+        <p:spPr/>
+        <p:txBody>
+          <a:bodyPr/>
+          <a:lstStyle/>
+          <a:p>
+            <a:r>
+              <a:rPr lang="en-US" altLang="ja-JP"/>
+              <a:t>Day1</a:t>
+            </a:r>
+            <a:endParaRPr lang="ja-JP" altLang="en-US" dirty="0"/>
+          </a:p>
+        </p:txBody>
+      </p:sp>
+      <p:sp>
+        <p:nvSpPr>
+          <p:cNvPr id="6" name="スライド番号プレースホルダー 5">
+            <a:extLst>
+              <a:ext uri="{FF2B5EF4-FFF2-40B4-BE49-F238E27FC236}">
+                <a16:creationId xmlns:a16="http://schemas.microsoft.com/office/drawing/2014/main" id="{05AA9DE0-12D4-DC0A-AF97-8191A6B93321}"/>
+              </a:ext>
+            </a:extLst>
+          </p:cNvPr>
+          <p:cNvSpPr>
+            <a:spLocks noGrp="1"/>
+          </p:cNvSpPr>
+          <p:nvPr>
+            <p:ph type="sldNum" sz="quarter" idx="12"/>
+          </p:nvPr>
+        </p:nvSpPr>
+        <p:spPr/>
+        <p:txBody>
+          <a:bodyPr/>
+          <a:lstStyle/>
+          <a:p>
+            <a:fld id="{B4DA0251-0B3B-4C1C-96DC-5D2833458AB2}" type="slidenum">
+              <a:rPr lang="ja-JP" altLang="en-US" smtClean="0"/>
+              <a:pPr/>
+              <a:t>7</a:t>
+            </a:fld>
+            <a:endParaRPr lang="ja-JP" altLang="en-US" dirty="0"/>
+          </a:p>
+        </p:txBody>
+      </p:sp>
+      <p:pic>
+        <p:nvPicPr>
+          <p:cNvPr id="10" name="図 9">
+            <a:extLst>
+              <a:ext uri="{FF2B5EF4-FFF2-40B4-BE49-F238E27FC236}">
+                <a16:creationId xmlns:a16="http://schemas.microsoft.com/office/drawing/2014/main" id="{AFEA4B46-9AA4-9092-73F0-64C3A88D3876}"/>
+              </a:ext>
+            </a:extLst>
+          </p:cNvPr>
+          <p:cNvPicPr>
+            <a:picLocks noChangeAspect="1"/>
+          </p:cNvPicPr>
+          <p:nvPr/>
+        </p:nvPicPr>
+        <p:blipFill>
+          <a:blip r:embed="rId2"/>
+          <a:stretch>
+            <a:fillRect/>
+          </a:stretch>
+        </p:blipFill>
+        <p:spPr>
+          <a:xfrm>
+            <a:off x="7468699" y="2794518"/>
+            <a:ext cx="3609301" cy="3834882"/>
+          </a:xfrm>
+          <a:prstGeom prst="rect">
+            <a:avLst/>
+          </a:prstGeom>
+        </p:spPr>
+      </p:pic>
+      <p:sp>
+        <p:nvSpPr>
+          <p:cNvPr id="12" name="楕円 11">
+            <a:extLst>
+              <a:ext uri="{FF2B5EF4-FFF2-40B4-BE49-F238E27FC236}">
+                <a16:creationId xmlns:a16="http://schemas.microsoft.com/office/drawing/2014/main" id="{BFC13A75-0365-BB62-EF1A-D94ACD9BB157}"/>
+              </a:ext>
+            </a:extLst>
+          </p:cNvPr>
+          <p:cNvSpPr/>
+          <p:nvPr/>
+        </p:nvSpPr>
+        <p:spPr>
+          <a:xfrm>
+            <a:off x="9965094" y="3668145"/>
+            <a:ext cx="1929881" cy="401217"/>
+          </a:xfrm>
+          <a:prstGeom prst="ellipse">
+            <a:avLst/>
+          </a:prstGeom>
+        </p:spPr>
+        <p:style>
+          <a:lnRef idx="0">
+            <a:schemeClr val="accent3"/>
+          </a:lnRef>
+          <a:fillRef idx="3">
+            <a:schemeClr val="accent3"/>
+          </a:fillRef>
+          <a:effectRef idx="3">
+            <a:schemeClr val="accent3"/>
+          </a:effectRef>
+          <a:fontRef idx="minor">
+            <a:schemeClr val="lt1"/>
+          </a:fontRef>
+        </p:style>
+        <p:txBody>
+          <a:bodyPr rtlCol="0" anchor="ctr"/>
+          <a:lstStyle/>
+          <a:p>
+            <a:pPr algn="ctr"/>
+            <a:r>
+              <a:rPr lang="ja-JP" altLang="en-US" dirty="0"/>
+              <a:t>ノート</a:t>
+            </a:r>
+            <a:endParaRPr kumimoji="1" lang="ja-JP" altLang="en-US" dirty="0"/>
+          </a:p>
+        </p:txBody>
+      </p:sp>
+      <p:sp>
+        <p:nvSpPr>
+          <p:cNvPr id="13" name="楕円 12">
+            <a:extLst>
+              <a:ext uri="{FF2B5EF4-FFF2-40B4-BE49-F238E27FC236}">
+                <a16:creationId xmlns:a16="http://schemas.microsoft.com/office/drawing/2014/main" id="{801F0BA3-DC70-2AD1-116E-803E8FB31C31}"/>
+              </a:ext>
+            </a:extLst>
+          </p:cNvPr>
+          <p:cNvSpPr/>
+          <p:nvPr/>
+        </p:nvSpPr>
+        <p:spPr>
+          <a:xfrm>
+            <a:off x="9965094" y="4559219"/>
+            <a:ext cx="1929881" cy="401217"/>
+          </a:xfrm>
+          <a:prstGeom prst="ellipse">
+            <a:avLst/>
+          </a:prstGeom>
+        </p:spPr>
+        <p:style>
+          <a:lnRef idx="0">
+            <a:schemeClr val="accent3"/>
+          </a:lnRef>
+          <a:fillRef idx="3">
+            <a:schemeClr val="accent3"/>
+          </a:fillRef>
+          <a:effectRef idx="3">
+            <a:schemeClr val="accent3"/>
+          </a:effectRef>
+          <a:fontRef idx="minor">
+            <a:schemeClr val="lt1"/>
+          </a:fontRef>
+        </p:style>
+        <p:txBody>
+          <a:bodyPr rtlCol="0" anchor="ctr"/>
+          <a:lstStyle/>
+          <a:p>
+            <a:pPr algn="ctr"/>
+            <a:r>
+              <a:rPr lang="ja-JP" altLang="en-US" dirty="0"/>
+              <a:t>コード</a:t>
+            </a:r>
+            <a:endParaRPr kumimoji="1" lang="ja-JP" altLang="en-US" dirty="0"/>
+          </a:p>
+        </p:txBody>
+      </p:sp>
+      <p:sp>
+        <p:nvSpPr>
+          <p:cNvPr id="14" name="楕円 13">
+            <a:extLst>
+              <a:ext uri="{FF2B5EF4-FFF2-40B4-BE49-F238E27FC236}">
+                <a16:creationId xmlns:a16="http://schemas.microsoft.com/office/drawing/2014/main" id="{93830998-BD41-B291-4201-141303B74796}"/>
+              </a:ext>
+            </a:extLst>
+          </p:cNvPr>
+          <p:cNvSpPr/>
+          <p:nvPr/>
+        </p:nvSpPr>
+        <p:spPr>
+          <a:xfrm>
+            <a:off x="9965094" y="5834063"/>
+            <a:ext cx="1929881" cy="401217"/>
+          </a:xfrm>
+          <a:prstGeom prst="ellipse">
+            <a:avLst/>
+          </a:prstGeom>
+        </p:spPr>
+        <p:style>
+          <a:lnRef idx="0">
+            <a:schemeClr val="accent3"/>
+          </a:lnRef>
+          <a:fillRef idx="3">
+            <a:schemeClr val="accent3"/>
+          </a:fillRef>
+          <a:effectRef idx="3">
+            <a:schemeClr val="accent3"/>
+          </a:effectRef>
+          <a:fontRef idx="minor">
+            <a:schemeClr val="lt1"/>
+          </a:fontRef>
+        </p:style>
+        <p:txBody>
+          <a:bodyPr rtlCol="0" anchor="ctr"/>
+          <a:lstStyle/>
+          <a:p>
+            <a:pPr algn="ctr"/>
+            <a:r>
+              <a:rPr lang="ja-JP" altLang="en-US" dirty="0"/>
+              <a:t>実行結果</a:t>
+            </a:r>
+            <a:endParaRPr kumimoji="1" lang="ja-JP" altLang="en-US" dirty="0"/>
+          </a:p>
+        </p:txBody>
+      </p:sp>
+    </p:spTree>
+    <p:extLst>
+      <p:ext uri="{BB962C8B-B14F-4D97-AF65-F5344CB8AC3E}">
+        <p14:creationId xmlns:p14="http://schemas.microsoft.com/office/powerpoint/2010/main" val="3796326876"/>
+      </p:ext>
+    </p:extLst>
+  </p:cSld>
+  <p:clrMapOvr>
+    <a:masterClrMapping/>
+  </p:clrMapOvr>
+  <mc:AlternateContent xmlns:mc="http://schemas.openxmlformats.org/markup-compatibility/2006" xmlns:p14="http://schemas.microsoft.com/office/powerpoint/2010/main">
+    <mc:Choice Requires="p14">
+      <p:transition spd="med" p14:dur="700">
+        <p:fade/>
+      </p:transition>
+    </mc:Choice>
+    <mc:Fallback xmlns="">
+      <p:transition spd="med">
+        <p:fade/>
+      </p:transition>
+    </mc:Fallback>
+  </mc:AlternateContent>
+</p:sld>
+</file>
+
+<file path=ppt/slides/slide8.xml><?xml version="1.0" encoding="utf-8"?>
+<p:sld xmlns:a="http://schemas.openxmlformats.org/drawingml/2006/main" xmlns:r="http://schemas.openxmlformats.org/officeDocument/2006/relationships" xmlns:p="http://schemas.openxmlformats.org/presentationml/2006/main">
+  <p:cSld>
+    <p:spTree>
+      <p:nvGrpSpPr>
+        <p:cNvPr id="1" name=""/>
+        <p:cNvGrpSpPr/>
+        <p:nvPr/>
+      </p:nvGrpSpPr>
+      <p:grpSpPr>
+        <a:xfrm>
+          <a:off x="0" y="0"/>
+          <a:ext cx="0" cy="0"/>
+          <a:chOff x="0" y="0"/>
+          <a:chExt cx="0" cy="0"/>
+        </a:xfrm>
+      </p:grpSpPr>
+      <p:sp>
+        <p:nvSpPr>
           <p:cNvPr id="2" name="フッター プレースホルダー 1">
             <a:extLst>
               <a:ext uri="{FF2B5EF4-FFF2-40B4-BE49-F238E27FC236}">
@@ -10682,19 +11449,7 @@
               <a:rPr kumimoji="1" lang="ja-JP" altLang="en-US" dirty="0"/>
               <a:t>にアクセスしてください。</a:t>
             </a:r>
-            <a:r>
-              <a:rPr kumimoji="1" lang="en-US" altLang="ja-JP" dirty="0"/>
-              <a:t>(Classroom</a:t>
-            </a:r>
-            <a:r>
-              <a:rPr kumimoji="1" lang="ja-JP" altLang="en-US" dirty="0"/>
-              <a:t>で送ります</a:t>
-            </a:r>
-            <a:r>
-              <a:rPr kumimoji="1" lang="en-US" altLang="ja-JP" dirty="0"/>
-              <a:t>)</a:t>
-            </a:r>
-            <a:endParaRPr kumimoji="1" lang="ja-JP" altLang="en-US" dirty="0"/>
+            <a:endParaRPr kumimoji="1" lang="en-US" altLang="ja-JP" dirty="0"/>
           </a:p>
           <a:p>
             <a:pPr lvl="1"/>
@@ -10741,12 +11496,6 @@
           </a:p>
           <a:p>
             <a:r>
-              <a:rPr lang="ja-JP" altLang="en-US" dirty="0"/>
-              <a:t>まずタイトルを適当なものに変更</a:t>
-            </a:r>
-          </a:p>
-          <a:p>
-            <a:r>
               <a:rPr kumimoji="1" lang="ja-JP" altLang="en-US" dirty="0"/>
               <a:t>コードブロックの下端をポイント</a:t>
             </a:r>
@@ -10832,7 +11581,7 @@
           <a:p>
             <a:fld id="{B4DA0251-0B3B-4C1C-96DC-5D2833458AB2}" type="slidenum">
               <a:rPr kumimoji="1" lang="ja-JP" altLang="en-US" smtClean="0"/>
-              <a:t>7</a:t>
+              <a:t>8</a:t>
             </a:fld>
             <a:endParaRPr kumimoji="1" lang="ja-JP" altLang="en-US"/>
           </a:p>
@@ -10893,7 +11642,7 @@
 </p:sld>
 </file>
 
-<file path=ppt/slides/slide8.xml><?xml version="1.0" encoding="utf-8"?>
+<file path=ppt/slides/slide9.xml><?xml version="1.0" encoding="utf-8"?>
 <p:sld xmlns:a="http://schemas.openxmlformats.org/drawingml/2006/main" xmlns:r="http://schemas.openxmlformats.org/officeDocument/2006/relationships" xmlns:p="http://schemas.openxmlformats.org/presentationml/2006/main">
   <p:cSld>
     <p:spTree>
@@ -11078,7 +11827,7 @@
           <a:p>
             <a:fld id="{B4DA0251-0B3B-4C1C-96DC-5D2833458AB2}" type="slidenum">
               <a:rPr kumimoji="1" lang="ja-JP" altLang="en-US" smtClean="0"/>
-              <a:t>8</a:t>
+              <a:t>9</a:t>
             </a:fld>
             <a:endParaRPr kumimoji="1" lang="ja-JP" altLang="en-US"/>
           </a:p>
@@ -11133,42 +11882,12 @@
             <a:r>
               <a:rPr lang="en-US" altLang="ja-JP" b="0" dirty="0">
                 <a:solidFill>
-                  <a:srgbClr val="DCDCAA"/>
+                  <a:schemeClr val="tx2"/>
                 </a:solidFill>
                 <a:effectLst/>
                 <a:latin typeface="Consolas" panose="020B0609020204030204" pitchFamily="49" charset="0"/>
               </a:rPr>
-              <a:t>print</a:t>
-            </a:r>
-            <a:r>
-              <a:rPr lang="en-US" altLang="ja-JP" b="0" dirty="0">
-                <a:solidFill>
-                  <a:srgbClr val="CCCCCC"/>
-                </a:solidFill>
-                <a:effectLst/>
-                <a:latin typeface="Consolas" panose="020B0609020204030204" pitchFamily="49" charset="0"/>
-              </a:rPr>
-              <a:t>(</a:t>
-            </a:r>
-            <a:r>
-              <a:rPr lang="en-US" altLang="ja-JP" b="0" dirty="0">
-                <a:solidFill>
-                  <a:srgbClr val="CE9178"/>
-                </a:solidFill>
-                <a:effectLst/>
-                <a:latin typeface="Consolas" panose="020B0609020204030204" pitchFamily="49" charset="0"/>
-              </a:rPr>
-              <a:t>"Hello World!"</a:t>
-            </a:r>
-            <a:r>
-              <a:rPr lang="en-US" altLang="ja-JP" b="0" dirty="0">
-                <a:solidFill>
-                  <a:srgbClr val="CCCCCC"/>
-                </a:solidFill>
-                <a:effectLst/>
-                <a:latin typeface="Consolas" panose="020B0609020204030204" pitchFamily="49" charset="0"/>
-              </a:rPr>
-              <a:t>)</a:t>
+              <a:t>print("Hello World!")</a:t>
             </a:r>
           </a:p>
         </p:txBody>
@@ -11236,376 +11955,6 @@
     <p:extLst>
       <p:ext uri="{BB962C8B-B14F-4D97-AF65-F5344CB8AC3E}">
         <p14:creationId xmlns:p14="http://schemas.microsoft.com/office/powerpoint/2010/main" val="4081018715"/>
-      </p:ext>
-    </p:extLst>
-  </p:cSld>
-  <p:clrMapOvr>
-    <a:masterClrMapping/>
-  </p:clrMapOvr>
-  <mc:AlternateContent xmlns:mc="http://schemas.openxmlformats.org/markup-compatibility/2006" xmlns:p14="http://schemas.microsoft.com/office/powerpoint/2010/main">
-    <mc:Choice Requires="p14">
-      <p:transition spd="med" p14:dur="700">
-        <p:fade/>
-      </p:transition>
-    </mc:Choice>
-    <mc:Fallback xmlns="">
-      <p:transition spd="med">
-        <p:fade/>
-      </p:transition>
-    </mc:Fallback>
-  </mc:AlternateContent>
-</p:sld>
-</file>
-
-<file path=ppt/slides/slide9.xml><?xml version="1.0" encoding="utf-8"?>
-<p:sld xmlns:a="http://schemas.openxmlformats.org/drawingml/2006/main" xmlns:r="http://schemas.openxmlformats.org/officeDocument/2006/relationships" xmlns:p="http://schemas.openxmlformats.org/presentationml/2006/main">
-  <p:cSld>
-    <p:spTree>
-      <p:nvGrpSpPr>
-        <p:cNvPr id="1" name=""/>
-        <p:cNvGrpSpPr/>
-        <p:nvPr/>
-      </p:nvGrpSpPr>
-      <p:grpSpPr>
-        <a:xfrm>
-          <a:off x="0" y="0"/>
-          <a:ext cx="0" cy="0"/>
-          <a:chOff x="0" y="0"/>
-          <a:chExt cx="0" cy="0"/>
-        </a:xfrm>
-      </p:grpSpPr>
-      <p:sp>
-        <p:nvSpPr>
-          <p:cNvPr id="2" name="フッター プレースホルダー 1">
-            <a:extLst>
-              <a:ext uri="{FF2B5EF4-FFF2-40B4-BE49-F238E27FC236}">
-                <a16:creationId xmlns:a16="http://schemas.microsoft.com/office/drawing/2014/main" id="{5708E4A2-D828-6F97-FA1E-A818BAA3EFEE}"/>
-              </a:ext>
-            </a:extLst>
-          </p:cNvPr>
-          <p:cNvSpPr>
-            <a:spLocks noGrp="1"/>
-          </p:cNvSpPr>
-          <p:nvPr>
-            <p:ph type="ftr" sz="quarter" idx="11"/>
-          </p:nvPr>
-        </p:nvSpPr>
-        <p:spPr/>
-        <p:txBody>
-          <a:bodyPr/>
-          <a:lstStyle/>
-          <a:p>
-            <a:r>
-              <a:rPr kumimoji="1" lang="ja-JP" altLang="en-US"/>
-              <a:t>情報科学ｃ</a:t>
-            </a:r>
-            <a:endParaRPr kumimoji="1" lang="ja-JP" altLang="en-US" dirty="0"/>
-          </a:p>
-        </p:txBody>
-      </p:sp>
-      <p:sp>
-        <p:nvSpPr>
-          <p:cNvPr id="3" name="タイトル 2">
-            <a:extLst>
-              <a:ext uri="{FF2B5EF4-FFF2-40B4-BE49-F238E27FC236}">
-                <a16:creationId xmlns:a16="http://schemas.microsoft.com/office/drawing/2014/main" id="{19591CFB-FEB1-5E79-F83B-D38EBF1465FD}"/>
-              </a:ext>
-            </a:extLst>
-          </p:cNvPr>
-          <p:cNvSpPr>
-            <a:spLocks noGrp="1"/>
-          </p:cNvSpPr>
-          <p:nvPr>
-            <p:ph type="title"/>
-          </p:nvPr>
-        </p:nvSpPr>
-        <p:spPr/>
-        <p:txBody>
-          <a:bodyPr/>
-          <a:lstStyle/>
-          <a:p>
-            <a:r>
-              <a:rPr lang="en-US" altLang="ja-JP" dirty="0"/>
-              <a:t>Hello World [</a:t>
-            </a:r>
-            <a:r>
-              <a:rPr lang="ja-JP" altLang="en-US" dirty="0"/>
-              <a:t>改</a:t>
-            </a:r>
-            <a:r>
-              <a:rPr lang="en-US" altLang="ja-JP" dirty="0"/>
-              <a:t>]</a:t>
-            </a:r>
-            <a:endParaRPr kumimoji="1" lang="ja-JP" altLang="en-US" dirty="0"/>
-          </a:p>
-        </p:txBody>
-      </p:sp>
-      <p:sp>
-        <p:nvSpPr>
-          <p:cNvPr id="4" name="コンテンツ プレースホルダー 3">
-            <a:extLst>
-              <a:ext uri="{FF2B5EF4-FFF2-40B4-BE49-F238E27FC236}">
-                <a16:creationId xmlns:a16="http://schemas.microsoft.com/office/drawing/2014/main" id="{F03D1BED-1DC3-6104-4290-AB13C22B6D11}"/>
-              </a:ext>
-            </a:extLst>
-          </p:cNvPr>
-          <p:cNvSpPr>
-            <a:spLocks noGrp="1"/>
-          </p:cNvSpPr>
-          <p:nvPr>
-            <p:ph idx="1"/>
-          </p:nvPr>
-        </p:nvSpPr>
-        <p:spPr/>
-        <p:txBody>
-          <a:bodyPr/>
-          <a:lstStyle/>
-          <a:p>
-            <a:r>
-              <a:rPr kumimoji="1" lang="ja-JP" altLang="en-US" dirty="0"/>
-              <a:t>フォームを作ってみる</a:t>
-            </a:r>
-          </a:p>
-          <a:p>
-            <a:r>
-              <a:rPr lang="ja-JP" altLang="en-US" dirty="0"/>
-              <a:t>コードブロックのメニューから</a:t>
-            </a:r>
-            <a:r>
-              <a:rPr lang="en-US" altLang="ja-JP" dirty="0"/>
-              <a:t>[</a:t>
-            </a:r>
-            <a:r>
-              <a:rPr lang="ja-JP" altLang="en-US" dirty="0"/>
-              <a:t>フォームの追加</a:t>
-            </a:r>
-            <a:r>
-              <a:rPr lang="en-US" altLang="ja-JP" dirty="0"/>
-              <a:t>]</a:t>
-            </a:r>
-            <a:r>
-              <a:rPr lang="ja-JP" altLang="en-US" dirty="0"/>
-              <a:t>を選ぶ</a:t>
-            </a:r>
-            <a:endParaRPr lang="en-US" altLang="ja-JP" dirty="0"/>
-          </a:p>
-          <a:p>
-            <a:pPr marL="0" indent="0">
-              <a:buNone/>
-            </a:pPr>
-            <a:r>
-              <a:rPr lang="ja-JP" altLang="en-US" sz="8000" dirty="0"/>
-              <a:t>　</a:t>
-            </a:r>
-            <a:r>
-              <a:rPr lang="en-US" altLang="ja-JP" dirty="0"/>
-              <a:t>	</a:t>
-            </a:r>
-          </a:p>
-          <a:p>
-            <a:r>
-              <a:rPr kumimoji="1" lang="ja-JP" altLang="en-US" dirty="0"/>
-              <a:t>さらにメニューから</a:t>
-            </a:r>
-            <a:r>
-              <a:rPr kumimoji="1" lang="en-US" altLang="ja-JP" dirty="0"/>
-              <a:t>[</a:t>
-            </a:r>
-            <a:r>
-              <a:rPr kumimoji="1" lang="ja-JP" altLang="en-US" dirty="0"/>
-              <a:t>フォーム</a:t>
-            </a:r>
-            <a:r>
-              <a:rPr kumimoji="1" lang="en-US" altLang="ja-JP" dirty="0"/>
-              <a:t>]-[</a:t>
-            </a:r>
-            <a:r>
-              <a:rPr kumimoji="1" lang="ja-JP" altLang="en-US" dirty="0"/>
-              <a:t>フォーム項目の追加</a:t>
-            </a:r>
-            <a:r>
-              <a:rPr kumimoji="1" lang="en-US" altLang="ja-JP" dirty="0"/>
-              <a:t>]</a:t>
-            </a:r>
-            <a:r>
-              <a:rPr kumimoji="1" lang="ja-JP" altLang="en-US" dirty="0"/>
-              <a:t>を選ぶ</a:t>
-            </a:r>
-            <a:endParaRPr kumimoji="1" lang="en-US" altLang="ja-JP" dirty="0"/>
-          </a:p>
-          <a:p>
-            <a:pPr lvl="1"/>
-            <a:r>
-              <a:rPr kumimoji="1" lang="ja-JP" altLang="en-US" dirty="0"/>
-              <a:t>フォームの種類やバインドされる変数名の定義等を行い</a:t>
-            </a:r>
-            <a:r>
-              <a:rPr kumimoji="1" lang="en-US" altLang="ja-JP" dirty="0"/>
-              <a:t>[</a:t>
-            </a:r>
-            <a:r>
-              <a:rPr kumimoji="1" lang="ja-JP" altLang="en-US" dirty="0"/>
-              <a:t>保存</a:t>
-            </a:r>
-            <a:r>
-              <a:rPr kumimoji="1" lang="en-US" altLang="ja-JP" dirty="0"/>
-              <a:t>]</a:t>
-            </a:r>
-          </a:p>
-          <a:p>
-            <a:pPr lvl="1"/>
-            <a:r>
-              <a:rPr lang="ja-JP" altLang="en-US" dirty="0"/>
-              <a:t>例えば</a:t>
-            </a:r>
-            <a:r>
-              <a:rPr lang="en-US" altLang="ja-JP" dirty="0"/>
-              <a:t>input</a:t>
-            </a:r>
-            <a:r>
-              <a:rPr lang="ja-JP" altLang="en-US" dirty="0"/>
-              <a:t>の</a:t>
-            </a:r>
-            <a:r>
-              <a:rPr lang="en-US" altLang="ja-JP" dirty="0"/>
-              <a:t>string</a:t>
-            </a:r>
-            <a:r>
-              <a:rPr lang="ja-JP" altLang="en-US" dirty="0"/>
-              <a:t>で変数が</a:t>
-            </a:r>
-            <a:r>
-              <a:rPr lang="en-US" altLang="ja-JP" dirty="0" err="1"/>
-              <a:t>what_world</a:t>
-            </a:r>
-            <a:r>
-              <a:rPr lang="ja-JP" altLang="en-US" dirty="0"/>
-              <a:t>にバインドされるように</a:t>
-            </a:r>
-            <a:endParaRPr kumimoji="1" lang="ja-JP" altLang="en-US" dirty="0"/>
-          </a:p>
-        </p:txBody>
-      </p:sp>
-      <p:sp>
-        <p:nvSpPr>
-          <p:cNvPr id="5" name="日付プレースホルダー 4">
-            <a:extLst>
-              <a:ext uri="{FF2B5EF4-FFF2-40B4-BE49-F238E27FC236}">
-                <a16:creationId xmlns:a16="http://schemas.microsoft.com/office/drawing/2014/main" id="{7AA89F28-7FF4-D040-092C-5777954AB0D8}"/>
-              </a:ext>
-            </a:extLst>
-          </p:cNvPr>
-          <p:cNvSpPr>
-            <a:spLocks noGrp="1"/>
-          </p:cNvSpPr>
-          <p:nvPr>
-            <p:ph type="dt" sz="half" idx="10"/>
-          </p:nvPr>
-        </p:nvSpPr>
-        <p:spPr/>
-        <p:txBody>
-          <a:bodyPr/>
-          <a:lstStyle/>
-          <a:p>
-            <a:r>
-              <a:rPr kumimoji="1" lang="en-US" altLang="ja-JP"/>
-              <a:t>Day1</a:t>
-            </a:r>
-            <a:endParaRPr kumimoji="1" lang="ja-JP" altLang="en-US"/>
-          </a:p>
-        </p:txBody>
-      </p:sp>
-      <p:sp>
-        <p:nvSpPr>
-          <p:cNvPr id="6" name="スライド番号プレースホルダー 5">
-            <a:extLst>
-              <a:ext uri="{FF2B5EF4-FFF2-40B4-BE49-F238E27FC236}">
-                <a16:creationId xmlns:a16="http://schemas.microsoft.com/office/drawing/2014/main" id="{38AF20F4-8FE5-CE0B-61FA-FE5D0CDFC9DC}"/>
-              </a:ext>
-            </a:extLst>
-          </p:cNvPr>
-          <p:cNvSpPr>
-            <a:spLocks noGrp="1"/>
-          </p:cNvSpPr>
-          <p:nvPr>
-            <p:ph type="sldNum" sz="quarter" idx="12"/>
-          </p:nvPr>
-        </p:nvSpPr>
-        <p:spPr/>
-        <p:txBody>
-          <a:bodyPr/>
-          <a:lstStyle/>
-          <a:p>
-            <a:fld id="{B4DA0251-0B3B-4C1C-96DC-5D2833458AB2}" type="slidenum">
-              <a:rPr kumimoji="1" lang="ja-JP" altLang="en-US" smtClean="0"/>
-              <a:t>9</a:t>
-            </a:fld>
-            <a:endParaRPr kumimoji="1" lang="ja-JP" altLang="en-US"/>
-          </a:p>
-        </p:txBody>
-      </p:sp>
-      <p:pic>
-        <p:nvPicPr>
-          <p:cNvPr id="8" name="図 7">
-            <a:extLst>
-              <a:ext uri="{FF2B5EF4-FFF2-40B4-BE49-F238E27FC236}">
-                <a16:creationId xmlns:a16="http://schemas.microsoft.com/office/drawing/2014/main" id="{EE022004-7B73-38B0-2CAA-CB4246E1336C}"/>
-              </a:ext>
-            </a:extLst>
-          </p:cNvPr>
-          <p:cNvPicPr>
-            <a:picLocks noChangeAspect="1"/>
-          </p:cNvPicPr>
-          <p:nvPr/>
-        </p:nvPicPr>
-        <p:blipFill>
-          <a:blip r:embed="rId2"/>
-          <a:srcRect l="7122" t="26621" b="48027"/>
-          <a:stretch/>
-        </p:blipFill>
-        <p:spPr>
-          <a:xfrm>
-            <a:off x="3777342" y="2875446"/>
-            <a:ext cx="4637315" cy="1107107"/>
-          </a:xfrm>
-          <a:prstGeom prst="rect">
-            <a:avLst/>
-          </a:prstGeom>
-        </p:spPr>
-      </p:pic>
-      <p:pic>
-        <p:nvPicPr>
-          <p:cNvPr id="10" name="図 9">
-            <a:extLst>
-              <a:ext uri="{FF2B5EF4-FFF2-40B4-BE49-F238E27FC236}">
-                <a16:creationId xmlns:a16="http://schemas.microsoft.com/office/drawing/2014/main" id="{F92CD589-C179-BAE2-870B-C278EEC16FB1}"/>
-              </a:ext>
-            </a:extLst>
-          </p:cNvPr>
-          <p:cNvPicPr>
-            <a:picLocks noChangeAspect="1"/>
-          </p:cNvPicPr>
-          <p:nvPr/>
-        </p:nvPicPr>
-        <p:blipFill>
-          <a:blip r:embed="rId3"/>
-          <a:srcRect l="4861" t="31429" r="18982" b="38911"/>
-          <a:stretch/>
-        </p:blipFill>
-        <p:spPr>
-          <a:xfrm>
-            <a:off x="4425729" y="5422703"/>
-            <a:ext cx="3857609" cy="1313999"/>
-          </a:xfrm>
-          <a:prstGeom prst="rect">
-            <a:avLst/>
-          </a:prstGeom>
-        </p:spPr>
-      </p:pic>
-    </p:spTree>
-    <p:extLst>
-      <p:ext uri="{BB962C8B-B14F-4D97-AF65-F5344CB8AC3E}">
-        <p14:creationId xmlns:p14="http://schemas.microsoft.com/office/powerpoint/2010/main" val="1871673332"/>
       </p:ext>
     </p:extLst>
   </p:cSld>
